--- a/2_프로세스정의서_v1.0.pptx
+++ b/2_프로세스정의서_v1.0.pptx
@@ -16,39 +16,44 @@
     <p:sldId id="260" r:id="rId7"/>
     <p:sldId id="261" r:id="rId8"/>
     <p:sldId id="262" r:id="rId9"/>
-    <p:sldId id="264" r:id="rId10"/>
+    <p:sldId id="263" r:id="rId10"/>
   </p:sldIdLst>
   <p:sldSz cx="9906000" cy="6858000" type="A4"/>
   <p:notesSz cx="6797675" cy="9926638"/>
   <p:embeddedFontLst>
     <p:embeddedFont>
-      <p:font typeface="Tahoma" panose="020B0604030504040204" pitchFamily="34" charset="0"/>
+      <p:font typeface="Calibri" panose="020F0502020204030204" pitchFamily="34" charset="0"/>
       <p:regular r:id="rId12"/>
       <p:bold r:id="rId13"/>
+      <p:italic r:id="rId14"/>
+      <p:boldItalic r:id="rId15"/>
     </p:embeddedFont>
     <p:embeddedFont>
-      <p:font typeface="Calibri" panose="020F0502020204030204" pitchFamily="34" charset="0"/>
-      <p:regular r:id="rId14"/>
-      <p:bold r:id="rId15"/>
-      <p:italic r:id="rId16"/>
-      <p:boldItalic r:id="rId17"/>
+      <p:font typeface="Dotumche" panose="020B0609000101010101" pitchFamily="49" charset="-127"/>
+      <p:regular r:id="rId16"/>
+    </p:embeddedFont>
+    <p:embeddedFont>
+      <p:font typeface="Gulimche" panose="020B0609000101010101" pitchFamily="49" charset="-127"/>
+      <p:regular r:id="rId17"/>
+    </p:embeddedFont>
+    <p:embeddedFont>
+      <p:font typeface="Noto Sans Symbols" panose="020B0502040504020204" pitchFamily="50" charset="-127"/>
+      <p:regular r:id="rId18"/>
+    </p:embeddedFont>
+    <p:embeddedFont>
+      <p:font typeface="Tahoma" panose="020B0604030504040204" pitchFamily="34" charset="0"/>
+      <p:regular r:id="rId19"/>
+      <p:bold r:id="rId20"/>
     </p:embeddedFont>
     <p:embeddedFont>
       <p:font typeface="맑은 고딕" panose="020B0503020000020004" pitchFamily="50" charset="-127"/>
-      <p:regular r:id="rId18"/>
-      <p:bold r:id="rId19"/>
+      <p:regular r:id="rId21"/>
+      <p:bold r:id="rId22"/>
     </p:embeddedFont>
     <p:embeddedFont>
-      <p:font typeface="Noto Sans Symbols" panose="020B0600000101010101" charset="-127"/>
-      <p:regular r:id="rId20"/>
-    </p:embeddedFont>
-    <p:embeddedFont>
-      <p:font typeface="Gulimche" panose="020B0609000101010101" pitchFamily="49" charset="-127"/>
+      <p:font typeface="맑은 고딕" panose="020B0503020000020004" pitchFamily="50" charset="-127"/>
       <p:regular r:id="rId21"/>
-    </p:embeddedFont>
-    <p:embeddedFont>
-      <p:font typeface="Dotumche" panose="020B0609000101010101" pitchFamily="49" charset="-127"/>
-      <p:regular r:id="rId22"/>
+      <p:bold r:id="rId22"/>
     </p:embeddedFont>
   </p:embeddedFontLst>
   <p:defaultTextStyle>
@@ -282,7 +287,7 @@
   </p:defaultTextStyle>
   <p:extLst>
     <p:ext uri="{EFAFB233-063F-42B5-8137-9DF3F51BA10A}">
-      <p15:sldGuideLst xmlns:p15="http://schemas.microsoft.com/office/powerpoint/2012/main" xmlns="">
+      <p15:sldGuideLst xmlns:p15="http://schemas.microsoft.com/office/powerpoint/2012/main">
         <p15:guide id="1" orient="horz" pos="51">
           <p15:clr>
             <a:srgbClr val="A4A3A4"/>
@@ -2473,7 +2478,7 @@
   <p:cSld>
     <p:spTree>
       <p:nvGrpSpPr>
-        <p:cNvPr id="1" name="Shape 135"/>
+        <p:cNvPr id="1" name="Shape 114"/>
         <p:cNvGrpSpPr/>
         <p:nvPr/>
       </p:nvGrpSpPr>
@@ -2487,7 +2492,7 @@
       </p:grpSpPr>
       <p:sp>
         <p:nvSpPr>
-          <p:cNvPr id="136" name="Google Shape;136;gd3dd9ed49a_0_26:notes"/>
+          <p:cNvPr id="115" name="Google Shape;115;gd3dd9ed49a_0_0:notes"/>
           <p:cNvSpPr txBox="1">
             <a:spLocks noGrp="1"/>
           </p:cNvSpPr>
@@ -2525,7 +2530,7 @@
       </p:sp>
       <p:sp>
         <p:nvSpPr>
-          <p:cNvPr id="137" name="Google Shape;137;gd3dd9ed49a_0_26:notes"/>
+          <p:cNvPr id="116" name="Google Shape;116;gd3dd9ed49a_0_0:notes"/>
           <p:cNvSpPr>
             <a:spLocks noGrp="1" noRot="1" noChangeAspect="1"/>
           </p:cNvSpPr>
@@ -2567,7 +2572,7 @@
     </p:spTree>
     <p:extLst>
       <p:ext uri="{BB962C8B-B14F-4D97-AF65-F5344CB8AC3E}">
-        <p14:creationId xmlns:p14="http://schemas.microsoft.com/office/powerpoint/2010/main" val="1823616878"/>
+        <p14:creationId xmlns:p14="http://schemas.microsoft.com/office/powerpoint/2010/main" val="1496245272"/>
       </p:ext>
     </p:extLst>
   </p:cSld>
@@ -5740,7 +5745,7 @@
         </p:nvGraphicFramePr>
         <p:xfrm>
           <a:off x="269875" y="233363"/>
-          <a:ext cx="9412300" cy="5991292"/>
+          <a:ext cx="9412300" cy="5975925"/>
         </p:xfrm>
         <a:graphic>
           <a:graphicData uri="http://schemas.openxmlformats.org/drawingml/2006/table">
@@ -5753,28 +5758,28 @@
                 <a:gridCol w="1208100">
                   <a:extLst>
                     <a:ext uri="{9D8B030D-6E8A-4147-A177-3AD203B41FA5}">
-                      <a16:colId xmlns:a16="http://schemas.microsoft.com/office/drawing/2014/main" xmlns="" val="20000"/>
+                      <a16:colId xmlns:a16="http://schemas.microsoft.com/office/drawing/2014/main" val="20000"/>
                     </a:ext>
                   </a:extLst>
                 </a:gridCol>
                 <a:gridCol w="3228975">
                   <a:extLst>
                     <a:ext uri="{9D8B030D-6E8A-4147-A177-3AD203B41FA5}">
-                      <a16:colId xmlns:a16="http://schemas.microsoft.com/office/drawing/2014/main" xmlns="" val="20001"/>
+                      <a16:colId xmlns:a16="http://schemas.microsoft.com/office/drawing/2014/main" val="20001"/>
                     </a:ext>
                   </a:extLst>
                 </a:gridCol>
                 <a:gridCol w="1030275">
                   <a:extLst>
                     <a:ext uri="{9D8B030D-6E8A-4147-A177-3AD203B41FA5}">
-                      <a16:colId xmlns:a16="http://schemas.microsoft.com/office/drawing/2014/main" xmlns="" val="20002"/>
+                      <a16:colId xmlns:a16="http://schemas.microsoft.com/office/drawing/2014/main" val="20002"/>
                     </a:ext>
                   </a:extLst>
                 </a:gridCol>
                 <a:gridCol w="3944950">
                   <a:extLst>
                     <a:ext uri="{9D8B030D-6E8A-4147-A177-3AD203B41FA5}">
-                      <a16:colId xmlns:a16="http://schemas.microsoft.com/office/drawing/2014/main" xmlns="" val="20003"/>
+                      <a16:colId xmlns:a16="http://schemas.microsoft.com/office/drawing/2014/main" val="20003"/>
                     </a:ext>
                   </a:extLst>
                 </a:gridCol>
@@ -5953,7 +5958,7 @@
                 </a:tc>
                 <a:extLst>
                   <a:ext uri="{0D108BD9-81ED-4DB2-BD59-A6C34878D82A}">
-                    <a16:rowId xmlns:a16="http://schemas.microsoft.com/office/drawing/2014/main" xmlns="" val="10000"/>
+                    <a16:rowId xmlns:a16="http://schemas.microsoft.com/office/drawing/2014/main" val="10000"/>
                   </a:ext>
                 </a:extLst>
               </a:tr>
@@ -6270,7 +6275,7 @@
                 </a:tc>
                 <a:extLst>
                   <a:ext uri="{0D108BD9-81ED-4DB2-BD59-A6C34878D82A}">
-                    <a16:rowId xmlns:a16="http://schemas.microsoft.com/office/drawing/2014/main" xmlns="" val="10001"/>
+                    <a16:rowId xmlns:a16="http://schemas.microsoft.com/office/drawing/2014/main" val="10001"/>
                   </a:ext>
                 </a:extLst>
               </a:tr>
@@ -6379,7 +6384,7 @@
                 </a:tc>
                 <a:extLst>
                   <a:ext uri="{0D108BD9-81ED-4DB2-BD59-A6C34878D82A}">
-                    <a16:rowId xmlns:a16="http://schemas.microsoft.com/office/drawing/2014/main" xmlns="" val="10002"/>
+                    <a16:rowId xmlns:a16="http://schemas.microsoft.com/office/drawing/2014/main" val="10002"/>
                   </a:ext>
                 </a:extLst>
               </a:tr>
@@ -7157,42 +7162,42 @@
                 <a:gridCol w="1315075">
                   <a:extLst>
                     <a:ext uri="{9D8B030D-6E8A-4147-A177-3AD203B41FA5}">
-                      <a16:colId xmlns:a16="http://schemas.microsoft.com/office/drawing/2014/main" xmlns="" val="20000"/>
+                      <a16:colId xmlns:a16="http://schemas.microsoft.com/office/drawing/2014/main" val="20000"/>
                     </a:ext>
                   </a:extLst>
                 </a:gridCol>
                 <a:gridCol w="1728400">
                   <a:extLst>
                     <a:ext uri="{9D8B030D-6E8A-4147-A177-3AD203B41FA5}">
-                      <a16:colId xmlns:a16="http://schemas.microsoft.com/office/drawing/2014/main" xmlns="" val="20001"/>
+                      <a16:colId xmlns:a16="http://schemas.microsoft.com/office/drawing/2014/main" val="20001"/>
                     </a:ext>
                   </a:extLst>
                 </a:gridCol>
                 <a:gridCol w="1224275">
                   <a:extLst>
                     <a:ext uri="{9D8B030D-6E8A-4147-A177-3AD203B41FA5}">
-                      <a16:colId xmlns:a16="http://schemas.microsoft.com/office/drawing/2014/main" xmlns="" val="20002"/>
+                      <a16:colId xmlns:a16="http://schemas.microsoft.com/office/drawing/2014/main" val="20002"/>
                     </a:ext>
                   </a:extLst>
                 </a:gridCol>
                 <a:gridCol w="1512350">
                   <a:extLst>
                     <a:ext uri="{9D8B030D-6E8A-4147-A177-3AD203B41FA5}">
-                      <a16:colId xmlns:a16="http://schemas.microsoft.com/office/drawing/2014/main" xmlns="" val="20003"/>
+                      <a16:colId xmlns:a16="http://schemas.microsoft.com/office/drawing/2014/main" val="20003"/>
                     </a:ext>
                   </a:extLst>
                 </a:gridCol>
                 <a:gridCol w="1368325">
                   <a:extLst>
                     <a:ext uri="{9D8B030D-6E8A-4147-A177-3AD203B41FA5}">
-                      <a16:colId xmlns:a16="http://schemas.microsoft.com/office/drawing/2014/main" xmlns="" val="20004"/>
+                      <a16:colId xmlns:a16="http://schemas.microsoft.com/office/drawing/2014/main" val="20004"/>
                     </a:ext>
                   </a:extLst>
                 </a:gridCol>
                 <a:gridCol w="1589175">
                   <a:extLst>
                     <a:ext uri="{9D8B030D-6E8A-4147-A177-3AD203B41FA5}">
-                      <a16:colId xmlns:a16="http://schemas.microsoft.com/office/drawing/2014/main" xmlns="" val="20005"/>
+                      <a16:colId xmlns:a16="http://schemas.microsoft.com/office/drawing/2014/main" val="20005"/>
                     </a:ext>
                   </a:extLst>
                 </a:gridCol>
@@ -7392,7 +7397,7 @@
                 </a:tc>
                 <a:extLst>
                   <a:ext uri="{0D108BD9-81ED-4DB2-BD59-A6C34878D82A}">
-                    <a16:rowId xmlns:a16="http://schemas.microsoft.com/office/drawing/2014/main" xmlns="" val="10000"/>
+                    <a16:rowId xmlns:a16="http://schemas.microsoft.com/office/drawing/2014/main" val="10000"/>
                   </a:ext>
                 </a:extLst>
               </a:tr>
@@ -7760,7 +7765,7 @@
                 </a:tc>
                 <a:extLst>
                   <a:ext uri="{0D108BD9-81ED-4DB2-BD59-A6C34878D82A}">
-                    <a16:rowId xmlns:a16="http://schemas.microsoft.com/office/drawing/2014/main" xmlns="" val="10001"/>
+                    <a16:rowId xmlns:a16="http://schemas.microsoft.com/office/drawing/2014/main" val="10001"/>
                   </a:ext>
                 </a:extLst>
               </a:tr>
@@ -8293,7 +8298,7 @@
                 </a:tc>
                 <a:extLst>
                   <a:ext uri="{0D108BD9-81ED-4DB2-BD59-A6C34878D82A}">
-                    <a16:rowId xmlns:a16="http://schemas.microsoft.com/office/drawing/2014/main" xmlns="" val="10002"/>
+                    <a16:rowId xmlns:a16="http://schemas.microsoft.com/office/drawing/2014/main" val="10002"/>
                   </a:ext>
                 </a:extLst>
               </a:tr>
@@ -8788,7 +8793,7 @@
                 </a:tc>
                 <a:extLst>
                   <a:ext uri="{0D108BD9-81ED-4DB2-BD59-A6C34878D82A}">
-                    <a16:rowId xmlns:a16="http://schemas.microsoft.com/office/drawing/2014/main" xmlns="" val="10003"/>
+                    <a16:rowId xmlns:a16="http://schemas.microsoft.com/office/drawing/2014/main" val="10003"/>
                   </a:ext>
                 </a:extLst>
               </a:tr>
@@ -9240,35 +9245,35 @@
                 <a:gridCol w="864175">
                   <a:extLst>
                     <a:ext uri="{9D8B030D-6E8A-4147-A177-3AD203B41FA5}">
-                      <a16:colId xmlns:a16="http://schemas.microsoft.com/office/drawing/2014/main" xmlns="" val="20000"/>
+                      <a16:colId xmlns:a16="http://schemas.microsoft.com/office/drawing/2014/main" val="20000"/>
                     </a:ext>
                   </a:extLst>
                 </a:gridCol>
                 <a:gridCol w="1008200">
                   <a:extLst>
                     <a:ext uri="{9D8B030D-6E8A-4147-A177-3AD203B41FA5}">
-                      <a16:colId xmlns:a16="http://schemas.microsoft.com/office/drawing/2014/main" xmlns="" val="20001"/>
+                      <a16:colId xmlns:a16="http://schemas.microsoft.com/office/drawing/2014/main" val="20001"/>
                     </a:ext>
                   </a:extLst>
                 </a:gridCol>
                 <a:gridCol w="5040950">
                   <a:extLst>
                     <a:ext uri="{9D8B030D-6E8A-4147-A177-3AD203B41FA5}">
-                      <a16:colId xmlns:a16="http://schemas.microsoft.com/office/drawing/2014/main" xmlns="" val="20002"/>
+                      <a16:colId xmlns:a16="http://schemas.microsoft.com/office/drawing/2014/main" val="20002"/>
                     </a:ext>
                   </a:extLst>
                 </a:gridCol>
                 <a:gridCol w="1008200">
                   <a:extLst>
                     <a:ext uri="{9D8B030D-6E8A-4147-A177-3AD203B41FA5}">
-                      <a16:colId xmlns:a16="http://schemas.microsoft.com/office/drawing/2014/main" xmlns="" val="20003"/>
+                      <a16:colId xmlns:a16="http://schemas.microsoft.com/office/drawing/2014/main" val="20003"/>
                     </a:ext>
                   </a:extLst>
                 </a:gridCol>
                 <a:gridCol w="1008200">
                   <a:extLst>
                     <a:ext uri="{9D8B030D-6E8A-4147-A177-3AD203B41FA5}">
-                      <a16:colId xmlns:a16="http://schemas.microsoft.com/office/drawing/2014/main" xmlns="" val="20004"/>
+                      <a16:colId xmlns:a16="http://schemas.microsoft.com/office/drawing/2014/main" val="20004"/>
                     </a:ext>
                   </a:extLst>
                 </a:gridCol>
@@ -9613,7 +9618,7 @@
                 </a:tc>
                 <a:extLst>
                   <a:ext uri="{0D108BD9-81ED-4DB2-BD59-A6C34878D82A}">
-                    <a16:rowId xmlns:a16="http://schemas.microsoft.com/office/drawing/2014/main" xmlns="" val="10000"/>
+                    <a16:rowId xmlns:a16="http://schemas.microsoft.com/office/drawing/2014/main" val="10000"/>
                   </a:ext>
                 </a:extLst>
               </a:tr>
@@ -9972,7 +9977,7 @@
                 </a:tc>
                 <a:extLst>
                   <a:ext uri="{0D108BD9-81ED-4DB2-BD59-A6C34878D82A}">
-                    <a16:rowId xmlns:a16="http://schemas.microsoft.com/office/drawing/2014/main" xmlns="" val="10001"/>
+                    <a16:rowId xmlns:a16="http://schemas.microsoft.com/office/drawing/2014/main" val="10001"/>
                   </a:ext>
                 </a:extLst>
               </a:tr>
@@ -10289,7 +10294,7 @@
                 </a:tc>
                 <a:extLst>
                   <a:ext uri="{0D108BD9-81ED-4DB2-BD59-A6C34878D82A}">
-                    <a16:rowId xmlns:a16="http://schemas.microsoft.com/office/drawing/2014/main" xmlns="" val="10002"/>
+                    <a16:rowId xmlns:a16="http://schemas.microsoft.com/office/drawing/2014/main" val="10002"/>
                   </a:ext>
                 </a:extLst>
               </a:tr>
@@ -10606,7 +10611,7 @@
                 </a:tc>
                 <a:extLst>
                   <a:ext uri="{0D108BD9-81ED-4DB2-BD59-A6C34878D82A}">
-                    <a16:rowId xmlns:a16="http://schemas.microsoft.com/office/drawing/2014/main" xmlns="" val="10003"/>
+                    <a16:rowId xmlns:a16="http://schemas.microsoft.com/office/drawing/2014/main" val="10003"/>
                   </a:ext>
                 </a:extLst>
               </a:tr>
@@ -10923,7 +10928,7 @@
                 </a:tc>
                 <a:extLst>
                   <a:ext uri="{0D108BD9-81ED-4DB2-BD59-A6C34878D82A}">
-                    <a16:rowId xmlns:a16="http://schemas.microsoft.com/office/drawing/2014/main" xmlns="" val="10004"/>
+                    <a16:rowId xmlns:a16="http://schemas.microsoft.com/office/drawing/2014/main" val="10004"/>
                   </a:ext>
                 </a:extLst>
               </a:tr>
@@ -11240,7 +11245,7 @@
                 </a:tc>
                 <a:extLst>
                   <a:ext uri="{0D108BD9-81ED-4DB2-BD59-A6C34878D82A}">
-                    <a16:rowId xmlns:a16="http://schemas.microsoft.com/office/drawing/2014/main" xmlns="" val="10005"/>
+                    <a16:rowId xmlns:a16="http://schemas.microsoft.com/office/drawing/2014/main" val="10005"/>
                   </a:ext>
                 </a:extLst>
               </a:tr>
@@ -11549,7 +11554,7 @@
                 </a:tc>
                 <a:extLst>
                   <a:ext uri="{0D108BD9-81ED-4DB2-BD59-A6C34878D82A}">
-                    <a16:rowId xmlns:a16="http://schemas.microsoft.com/office/drawing/2014/main" xmlns="" val="10006"/>
+                    <a16:rowId xmlns:a16="http://schemas.microsoft.com/office/drawing/2014/main" val="10006"/>
                   </a:ext>
                 </a:extLst>
               </a:tr>
@@ -11858,7 +11863,7 @@
                 </a:tc>
                 <a:extLst>
                   <a:ext uri="{0D108BD9-81ED-4DB2-BD59-A6C34878D82A}">
-                    <a16:rowId xmlns:a16="http://schemas.microsoft.com/office/drawing/2014/main" xmlns="" val="10007"/>
+                    <a16:rowId xmlns:a16="http://schemas.microsoft.com/office/drawing/2014/main" val="10007"/>
                   </a:ext>
                 </a:extLst>
               </a:tr>
@@ -12167,7 +12172,7 @@
                 </a:tc>
                 <a:extLst>
                   <a:ext uri="{0D108BD9-81ED-4DB2-BD59-A6C34878D82A}">
-                    <a16:rowId xmlns:a16="http://schemas.microsoft.com/office/drawing/2014/main" xmlns="" val="10008"/>
+                    <a16:rowId xmlns:a16="http://schemas.microsoft.com/office/drawing/2014/main" val="10008"/>
                   </a:ext>
                 </a:extLst>
               </a:tr>
@@ -12476,7 +12481,7 @@
                 </a:tc>
                 <a:extLst>
                   <a:ext uri="{0D108BD9-81ED-4DB2-BD59-A6C34878D82A}">
-                    <a16:rowId xmlns:a16="http://schemas.microsoft.com/office/drawing/2014/main" xmlns="" val="10009"/>
+                    <a16:rowId xmlns:a16="http://schemas.microsoft.com/office/drawing/2014/main" val="10009"/>
                   </a:ext>
                 </a:extLst>
               </a:tr>
@@ -12785,7 +12790,7 @@
                 </a:tc>
                 <a:extLst>
                   <a:ext uri="{0D108BD9-81ED-4DB2-BD59-A6C34878D82A}">
-                    <a16:rowId xmlns:a16="http://schemas.microsoft.com/office/drawing/2014/main" xmlns="" val="10010"/>
+                    <a16:rowId xmlns:a16="http://schemas.microsoft.com/office/drawing/2014/main" val="10010"/>
                   </a:ext>
                 </a:extLst>
               </a:tr>
@@ -13094,7 +13099,7 @@
                 </a:tc>
                 <a:extLst>
                   <a:ext uri="{0D108BD9-81ED-4DB2-BD59-A6C34878D82A}">
-                    <a16:rowId xmlns:a16="http://schemas.microsoft.com/office/drawing/2014/main" xmlns="" val="10011"/>
+                    <a16:rowId xmlns:a16="http://schemas.microsoft.com/office/drawing/2014/main" val="10011"/>
                   </a:ext>
                 </a:extLst>
               </a:tr>
@@ -13403,7 +13408,7 @@
                 </a:tc>
                 <a:extLst>
                   <a:ext uri="{0D108BD9-81ED-4DB2-BD59-A6C34878D82A}">
-                    <a16:rowId xmlns:a16="http://schemas.microsoft.com/office/drawing/2014/main" xmlns="" val="10012"/>
+                    <a16:rowId xmlns:a16="http://schemas.microsoft.com/office/drawing/2014/main" val="10012"/>
                   </a:ext>
                 </a:extLst>
               </a:tr>
@@ -13712,7 +13717,7 @@
                 </a:tc>
                 <a:extLst>
                   <a:ext uri="{0D108BD9-81ED-4DB2-BD59-A6C34878D82A}">
-                    <a16:rowId xmlns:a16="http://schemas.microsoft.com/office/drawing/2014/main" xmlns="" val="10013"/>
+                    <a16:rowId xmlns:a16="http://schemas.microsoft.com/office/drawing/2014/main" val="10013"/>
                   </a:ext>
                 </a:extLst>
               </a:tr>
@@ -14021,7 +14026,7 @@
                 </a:tc>
                 <a:extLst>
                   <a:ext uri="{0D108BD9-81ED-4DB2-BD59-A6C34878D82A}">
-                    <a16:rowId xmlns:a16="http://schemas.microsoft.com/office/drawing/2014/main" xmlns="" val="10014"/>
+                    <a16:rowId xmlns:a16="http://schemas.microsoft.com/office/drawing/2014/main" val="10014"/>
                   </a:ext>
                 </a:extLst>
               </a:tr>
@@ -14133,21 +14138,21 @@
                 <a:gridCol w="752225">
                   <a:extLst>
                     <a:ext uri="{9D8B030D-6E8A-4147-A177-3AD203B41FA5}">
-                      <a16:colId xmlns:a16="http://schemas.microsoft.com/office/drawing/2014/main" xmlns="" val="20000"/>
+                      <a16:colId xmlns:a16="http://schemas.microsoft.com/office/drawing/2014/main" val="20000"/>
                     </a:ext>
                   </a:extLst>
                 </a:gridCol>
                 <a:gridCol w="7706050">
                   <a:extLst>
                     <a:ext uri="{9D8B030D-6E8A-4147-A177-3AD203B41FA5}">
-                      <a16:colId xmlns:a16="http://schemas.microsoft.com/office/drawing/2014/main" xmlns="" val="20001"/>
+                      <a16:colId xmlns:a16="http://schemas.microsoft.com/office/drawing/2014/main" val="20001"/>
                     </a:ext>
                   </a:extLst>
                 </a:gridCol>
                 <a:gridCol w="753975">
                   <a:extLst>
                     <a:ext uri="{9D8B030D-6E8A-4147-A177-3AD203B41FA5}">
-                      <a16:colId xmlns:a16="http://schemas.microsoft.com/office/drawing/2014/main" xmlns="" val="20002"/>
+                      <a16:colId xmlns:a16="http://schemas.microsoft.com/office/drawing/2014/main" val="20002"/>
                     </a:ext>
                   </a:extLst>
                 </a:gridCol>
@@ -14406,7 +14411,7 @@
                 </a:tc>
                 <a:extLst>
                   <a:ext uri="{0D108BD9-81ED-4DB2-BD59-A6C34878D82A}">
-                    <a16:rowId xmlns:a16="http://schemas.microsoft.com/office/drawing/2014/main" xmlns="" val="10000"/>
+                    <a16:rowId xmlns:a16="http://schemas.microsoft.com/office/drawing/2014/main" val="10000"/>
                   </a:ext>
                 </a:extLst>
               </a:tr>
@@ -14631,7 +14636,7 @@
                 </a:tc>
                 <a:extLst>
                   <a:ext uri="{0D108BD9-81ED-4DB2-BD59-A6C34878D82A}">
-                    <a16:rowId xmlns:a16="http://schemas.microsoft.com/office/drawing/2014/main" xmlns="" val="10001"/>
+                    <a16:rowId xmlns:a16="http://schemas.microsoft.com/office/drawing/2014/main" val="10001"/>
                   </a:ext>
                 </a:extLst>
               </a:tr>
@@ -14862,7 +14867,7 @@
                 </a:tc>
                 <a:extLst>
                   <a:ext uri="{0D108BD9-81ED-4DB2-BD59-A6C34878D82A}">
-                    <a16:rowId xmlns:a16="http://schemas.microsoft.com/office/drawing/2014/main" xmlns="" val="10002"/>
+                    <a16:rowId xmlns:a16="http://schemas.microsoft.com/office/drawing/2014/main" val="10002"/>
                   </a:ext>
                 </a:extLst>
               </a:tr>
@@ -15124,7 +15129,7 @@
                 </a:tc>
                 <a:extLst>
                   <a:ext uri="{0D108BD9-81ED-4DB2-BD59-A6C34878D82A}">
-                    <a16:rowId xmlns:a16="http://schemas.microsoft.com/office/drawing/2014/main" xmlns="" val="10003"/>
+                    <a16:rowId xmlns:a16="http://schemas.microsoft.com/office/drawing/2014/main" val="10003"/>
                   </a:ext>
                 </a:extLst>
               </a:tr>
@@ -15386,7 +15391,7 @@
                 </a:tc>
                 <a:extLst>
                   <a:ext uri="{0D108BD9-81ED-4DB2-BD59-A6C34878D82A}">
-                    <a16:rowId xmlns:a16="http://schemas.microsoft.com/office/drawing/2014/main" xmlns="" val="10004"/>
+                    <a16:rowId xmlns:a16="http://schemas.microsoft.com/office/drawing/2014/main" val="10004"/>
                   </a:ext>
                 </a:extLst>
               </a:tr>
@@ -15615,7 +15620,7 @@
                 </a:tc>
                 <a:extLst>
                   <a:ext uri="{0D108BD9-81ED-4DB2-BD59-A6C34878D82A}">
-                    <a16:rowId xmlns:a16="http://schemas.microsoft.com/office/drawing/2014/main" xmlns="" val="10005"/>
+                    <a16:rowId xmlns:a16="http://schemas.microsoft.com/office/drawing/2014/main" val="10005"/>
                   </a:ext>
                 </a:extLst>
               </a:tr>
@@ -15844,7 +15849,7 @@
                 </a:tc>
                 <a:extLst>
                   <a:ext uri="{0D108BD9-81ED-4DB2-BD59-A6C34878D82A}">
-                    <a16:rowId xmlns:a16="http://schemas.microsoft.com/office/drawing/2014/main" xmlns="" val="10006"/>
+                    <a16:rowId xmlns:a16="http://schemas.microsoft.com/office/drawing/2014/main" val="10006"/>
                   </a:ext>
                 </a:extLst>
               </a:tr>
@@ -16073,7 +16078,7 @@
                 </a:tc>
                 <a:extLst>
                   <a:ext uri="{0D108BD9-81ED-4DB2-BD59-A6C34878D82A}">
-                    <a16:rowId xmlns:a16="http://schemas.microsoft.com/office/drawing/2014/main" xmlns="" val="10007"/>
+                    <a16:rowId xmlns:a16="http://schemas.microsoft.com/office/drawing/2014/main" val="10007"/>
                   </a:ext>
                 </a:extLst>
               </a:tr>
@@ -16294,7 +16299,7 @@
                 </a:tc>
                 <a:extLst>
                   <a:ext uri="{0D108BD9-81ED-4DB2-BD59-A6C34878D82A}">
-                    <a16:rowId xmlns:a16="http://schemas.microsoft.com/office/drawing/2014/main" xmlns="" val="10008"/>
+                    <a16:rowId xmlns:a16="http://schemas.microsoft.com/office/drawing/2014/main" val="10008"/>
                   </a:ext>
                 </a:extLst>
               </a:tr>
@@ -16515,7 +16520,7 @@
                 </a:tc>
                 <a:extLst>
                   <a:ext uri="{0D108BD9-81ED-4DB2-BD59-A6C34878D82A}">
-                    <a16:rowId xmlns:a16="http://schemas.microsoft.com/office/drawing/2014/main" xmlns="" val="10009"/>
+                    <a16:rowId xmlns:a16="http://schemas.microsoft.com/office/drawing/2014/main" val="10009"/>
                   </a:ext>
                 </a:extLst>
               </a:tr>
@@ -16736,7 +16741,7 @@
                 </a:tc>
                 <a:extLst>
                   <a:ext uri="{0D108BD9-81ED-4DB2-BD59-A6C34878D82A}">
-                    <a16:rowId xmlns:a16="http://schemas.microsoft.com/office/drawing/2014/main" xmlns="" val="10010"/>
+                    <a16:rowId xmlns:a16="http://schemas.microsoft.com/office/drawing/2014/main" val="10010"/>
                   </a:ext>
                 </a:extLst>
               </a:tr>
@@ -16957,7 +16962,7 @@
                 </a:tc>
                 <a:extLst>
                   <a:ext uri="{0D108BD9-81ED-4DB2-BD59-A6C34878D82A}">
-                    <a16:rowId xmlns:a16="http://schemas.microsoft.com/office/drawing/2014/main" xmlns="" val="10011"/>
+                    <a16:rowId xmlns:a16="http://schemas.microsoft.com/office/drawing/2014/main" val="10011"/>
                   </a:ext>
                 </a:extLst>
               </a:tr>
@@ -17186,7 +17191,7 @@
                 </a:tc>
                 <a:extLst>
                   <a:ext uri="{0D108BD9-81ED-4DB2-BD59-A6C34878D82A}">
-                    <a16:rowId xmlns:a16="http://schemas.microsoft.com/office/drawing/2014/main" xmlns="" val="10012"/>
+                    <a16:rowId xmlns:a16="http://schemas.microsoft.com/office/drawing/2014/main" val="10012"/>
                   </a:ext>
                 </a:extLst>
               </a:tr>
@@ -17415,7 +17420,7 @@
                 </a:tc>
                 <a:extLst>
                   <a:ext uri="{0D108BD9-81ED-4DB2-BD59-A6C34878D82A}">
-                    <a16:rowId xmlns:a16="http://schemas.microsoft.com/office/drawing/2014/main" xmlns="" val="10013"/>
+                    <a16:rowId xmlns:a16="http://schemas.microsoft.com/office/drawing/2014/main" val="10013"/>
                   </a:ext>
                 </a:extLst>
               </a:tr>
@@ -17636,7 +17641,7 @@
                 </a:tc>
                 <a:extLst>
                   <a:ext uri="{0D108BD9-81ED-4DB2-BD59-A6C34878D82A}">
-                    <a16:rowId xmlns:a16="http://schemas.microsoft.com/office/drawing/2014/main" xmlns="" val="10014"/>
+                    <a16:rowId xmlns:a16="http://schemas.microsoft.com/office/drawing/2014/main" val="10014"/>
                   </a:ext>
                 </a:extLst>
               </a:tr>
@@ -17863,7 +17868,7 @@
                 </a:tc>
                 <a:extLst>
                   <a:ext uri="{0D108BD9-81ED-4DB2-BD59-A6C34878D82A}">
-                    <a16:rowId xmlns:a16="http://schemas.microsoft.com/office/drawing/2014/main" xmlns="" val="10015"/>
+                    <a16:rowId xmlns:a16="http://schemas.microsoft.com/office/drawing/2014/main" val="10015"/>
                   </a:ext>
                 </a:extLst>
               </a:tr>
@@ -18371,7 +18376,7 @@
                 <a:gridCol w="865200">
                   <a:extLst>
                     <a:ext uri="{9D8B030D-6E8A-4147-A177-3AD203B41FA5}">
-                      <a16:colId xmlns:a16="http://schemas.microsoft.com/office/drawing/2014/main" xmlns="" val="20000"/>
+                      <a16:colId xmlns:a16="http://schemas.microsoft.com/office/drawing/2014/main" val="20000"/>
                     </a:ext>
                   </a:extLst>
                 </a:gridCol>
@@ -18459,7 +18464,7 @@
                 </a:tc>
                 <a:extLst>
                   <a:ext uri="{0D108BD9-81ED-4DB2-BD59-A6C34878D82A}">
-                    <a16:rowId xmlns:a16="http://schemas.microsoft.com/office/drawing/2014/main" xmlns="" val="10000"/>
+                    <a16:rowId xmlns:a16="http://schemas.microsoft.com/office/drawing/2014/main" val="10000"/>
                   </a:ext>
                 </a:extLst>
               </a:tr>
@@ -19049,17 +19054,10 @@
                 <a:latin typeface="+mj-ea"/>
                 <a:ea typeface="+mj-ea"/>
               </a:rPr>
-              <a:t>신규 </a:t>
+              <a:t>신규 회원가</a:t>
             </a:r>
             <a:r>
-              <a:rPr lang="ko-KR" dirty="0" smtClean="0">
-                <a:latin typeface="+mj-ea"/>
-                <a:ea typeface="+mj-ea"/>
-              </a:rPr>
-              <a:t>회원가</a:t>
-            </a:r>
-            <a:r>
-              <a:rPr lang="ko-KR" altLang="en-US" dirty="0" smtClean="0">
+              <a:rPr lang="ko-KR" altLang="en-US" dirty="0">
                 <a:latin typeface="+mj-ea"/>
                 <a:ea typeface="+mj-ea"/>
               </a:rPr>
@@ -19297,7 +19295,7 @@
               <a:buNone/>
             </a:pPr>
             <a:r>
-              <a:rPr lang="ko-KR" sz="900" b="0" i="0" u="none" strike="noStrike" cap="none" dirty="0">
+              <a:rPr lang="en-US" altLang="ko-KR" sz="900" b="0" i="0" u="none" strike="noStrike" cap="none" dirty="0">
                 <a:solidFill>
                   <a:srgbClr val="000000"/>
                 </a:solidFill>
@@ -19306,12 +19304,56 @@
                 <a:cs typeface="Dotumche"/>
                 <a:sym typeface="Dotumche"/>
               </a:rPr>
-              <a:t>입력</a:t>
+              <a:t>(</a:t>
             </a:r>
-            <a:endParaRPr dirty="0">
-              <a:latin typeface="+mj-ea"/>
-              <a:ea typeface="+mj-ea"/>
-            </a:endParaRPr>
+            <a:r>
+              <a:rPr lang="ko-KR" altLang="en-US" sz="900" b="0" i="0" u="none" strike="noStrike" cap="none" dirty="0">
+                <a:solidFill>
+                  <a:srgbClr val="000000"/>
+                </a:solidFill>
+                <a:latin typeface="+mj-ea"/>
+                <a:ea typeface="+mj-ea"/>
+                <a:cs typeface="Dotumche"/>
+                <a:sym typeface="Dotumche"/>
+              </a:rPr>
+              <a:t>학생</a:t>
+            </a:r>
+            <a:r>
+              <a:rPr lang="en-US" altLang="ko-KR" sz="900" b="0" i="0" u="none" strike="noStrike" cap="none" dirty="0">
+                <a:solidFill>
+                  <a:srgbClr val="000000"/>
+                </a:solidFill>
+                <a:latin typeface="+mj-ea"/>
+                <a:ea typeface="+mj-ea"/>
+                <a:cs typeface="Dotumche"/>
+                <a:sym typeface="Dotumche"/>
+              </a:rPr>
+              <a:t>, </a:t>
+            </a:r>
+            <a:r>
+              <a:rPr lang="ko-KR" altLang="en-US" sz="900" b="0" i="0" u="none" strike="noStrike" cap="none" dirty="0">
+                <a:solidFill>
+                  <a:srgbClr val="000000"/>
+                </a:solidFill>
+                <a:latin typeface="+mj-ea"/>
+                <a:ea typeface="+mj-ea"/>
+                <a:cs typeface="Dotumche"/>
+                <a:sym typeface="Dotumche"/>
+              </a:rPr>
+              <a:t>관리자</a:t>
+            </a:r>
+            <a:r>
+              <a:rPr lang="en-US" altLang="ko-KR" sz="900" b="0" i="0" u="none" strike="noStrike" cap="none" dirty="0">
+                <a:solidFill>
+                  <a:srgbClr val="000000"/>
+                </a:solidFill>
+                <a:latin typeface="+mj-ea"/>
+                <a:ea typeface="+mj-ea"/>
+                <a:cs typeface="Dotumche"/>
+                <a:sym typeface="Dotumche"/>
+              </a:rPr>
+              <a:t>)</a:t>
+            </a:r>
           </a:p>
         </p:txBody>
       </p:sp>
@@ -19342,7 +19384,7 @@
                 <a:gridCol w="1044450">
                   <a:extLst>
                     <a:ext uri="{9D8B030D-6E8A-4147-A177-3AD203B41FA5}">
-                      <a16:colId xmlns:a16="http://schemas.microsoft.com/office/drawing/2014/main" xmlns="" val="20000"/>
+                      <a16:colId xmlns:a16="http://schemas.microsoft.com/office/drawing/2014/main" val="20000"/>
                     </a:ext>
                   </a:extLst>
                 </a:gridCol>
@@ -19438,7 +19480,7 @@
                 </a:tc>
                 <a:extLst>
                   <a:ext uri="{0D108BD9-81ED-4DB2-BD59-A6C34878D82A}">
-                    <a16:rowId xmlns:a16="http://schemas.microsoft.com/office/drawing/2014/main" xmlns="" val="10000"/>
+                    <a16:rowId xmlns:a16="http://schemas.microsoft.com/office/drawing/2014/main" val="10000"/>
                   </a:ext>
                 </a:extLst>
               </a:tr>
@@ -20188,7 +20230,7 @@
               <a:buNone/>
             </a:pPr>
             <a:r>
-              <a:rPr lang="ko-KR" dirty="0" smtClean="0"/>
+              <a:rPr lang="ko-KR" dirty="0"/>
               <a:t>로그인</a:t>
             </a:r>
             <a:endParaRPr dirty="0"/>
@@ -20316,7 +20358,7 @@
         <p:spPr>
           <a:xfrm>
             <a:off x="2361154" y="2664771"/>
-            <a:ext cx="933300" cy="5003"/>
+            <a:ext cx="553468" cy="8265"/>
           </a:xfrm>
           <a:prstGeom prst="straightConnector1">
             <a:avLst/>
@@ -20343,8 +20385,8 @@
         </p:nvSpPr>
         <p:spPr>
           <a:xfrm>
-            <a:off x="3294454" y="2396972"/>
-            <a:ext cx="900000" cy="545604"/>
+            <a:off x="2914622" y="2430955"/>
+            <a:ext cx="1209617" cy="484162"/>
           </a:xfrm>
           <a:prstGeom prst="rect">
             <a:avLst/>
@@ -20411,6 +20453,58 @@
               </a:rPr>
               <a:t>비밀번호 입력</a:t>
             </a:r>
+            <a:endParaRPr lang="en-US" altLang="ko-KR" sz="900" b="0" i="0" u="none" strike="noStrike" cap="none" dirty="0">
+              <a:solidFill>
+                <a:srgbClr val="000000"/>
+              </a:solidFill>
+              <a:latin typeface="Dotumche"/>
+              <a:ea typeface="Dotumche"/>
+              <a:cs typeface="Dotumche"/>
+              <a:sym typeface="Dotumche"/>
+            </a:endParaRPr>
+          </a:p>
+          <a:p>
+            <a:pPr algn="ctr"/>
+            <a:r>
+              <a:rPr lang="en-US" altLang="ko-KR" sz="900" dirty="0">
+                <a:latin typeface="Dotumche"/>
+                <a:ea typeface="Dotumche"/>
+                <a:sym typeface="Dotumche"/>
+              </a:rPr>
+              <a:t>(</a:t>
+            </a:r>
+            <a:r>
+              <a:rPr lang="ko-KR" altLang="en-US" sz="900" dirty="0">
+                <a:latin typeface="Dotumche"/>
+                <a:ea typeface="Dotumche"/>
+                <a:sym typeface="Dotumche"/>
+              </a:rPr>
+              <a:t>학생</a:t>
+            </a:r>
+            <a:r>
+              <a:rPr lang="en-US" altLang="ko-KR" sz="900" dirty="0">
+                <a:latin typeface="Dotumche"/>
+                <a:ea typeface="Dotumche"/>
+                <a:sym typeface="Dotumche"/>
+              </a:rPr>
+              <a:t>, </a:t>
+            </a:r>
+            <a:r>
+              <a:rPr lang="ko-KR" altLang="en-US" sz="900" dirty="0">
+                <a:latin typeface="Dotumche"/>
+                <a:ea typeface="Dotumche"/>
+                <a:sym typeface="Dotumche"/>
+              </a:rPr>
+              <a:t>관리자 선택</a:t>
+            </a:r>
+            <a:r>
+              <a:rPr lang="en-US" altLang="ko-KR" sz="900" dirty="0">
+                <a:latin typeface="Dotumche"/>
+                <a:ea typeface="Dotumche"/>
+                <a:sym typeface="Dotumche"/>
+              </a:rPr>
+              <a:t>)</a:t>
+            </a:r>
             <a:endParaRPr dirty="0"/>
           </a:p>
         </p:txBody>
@@ -20442,7 +20536,7 @@
                 <a:gridCol w="1086175">
                   <a:extLst>
                     <a:ext uri="{9D8B030D-6E8A-4147-A177-3AD203B41FA5}">
-                      <a16:colId xmlns:a16="http://schemas.microsoft.com/office/drawing/2014/main" xmlns="" val="20000"/>
+                      <a16:colId xmlns:a16="http://schemas.microsoft.com/office/drawing/2014/main" val="20000"/>
                     </a:ext>
                   </a:extLst>
                 </a:gridCol>
@@ -20538,7 +20632,7 @@
                 </a:tc>
                 <a:extLst>
                   <a:ext uri="{0D108BD9-81ED-4DB2-BD59-A6C34878D82A}">
-                    <a16:rowId xmlns:a16="http://schemas.microsoft.com/office/drawing/2014/main" xmlns="" val="10000"/>
+                    <a16:rowId xmlns:a16="http://schemas.microsoft.com/office/drawing/2014/main" val="10000"/>
                   </a:ext>
                 </a:extLst>
               </a:tr>
@@ -20613,9 +20707,9 @@
           <p:nvPr/>
         </p:nvCxnSpPr>
         <p:spPr>
-          <a:xfrm>
-            <a:off x="4194454" y="2669774"/>
-            <a:ext cx="483253" cy="1631"/>
+          <a:xfrm flipV="1">
+            <a:off x="4124239" y="2671405"/>
+            <a:ext cx="553468" cy="1631"/>
           </a:xfrm>
           <a:prstGeom prst="straightConnector1">
             <a:avLst/>
@@ -20784,7 +20878,7 @@
           <p:cNvPr id="2" name="Google Shape;105;p12">
             <a:extLst>
               <a:ext uri="{FF2B5EF4-FFF2-40B4-BE49-F238E27FC236}">
-                <a16:creationId xmlns:a16="http://schemas.microsoft.com/office/drawing/2014/main" xmlns="" id="{AC3496A4-B40C-4307-B7BD-271FF2D69994}"/>
+                <a16:creationId xmlns:a16="http://schemas.microsoft.com/office/drawing/2014/main" id="{AC3496A4-B40C-4307-B7BD-271FF2D69994}"/>
               </a:ext>
             </a:extLst>
           </p:cNvPr>
@@ -21223,7 +21317,7 @@
         </p:nvSpPr>
         <p:spPr>
           <a:xfrm>
-            <a:off x="3039805" y="2484474"/>
+            <a:off x="2632085" y="2034894"/>
             <a:ext cx="900000" cy="360300"/>
           </a:xfrm>
           <a:prstGeom prst="rect">
@@ -21275,38 +21369,6 @@
       </p:sp>
       <p:cxnSp>
         <p:nvCxnSpPr>
-          <p:cNvPr id="144" name="Google Shape;144;p14"/>
-          <p:cNvCxnSpPr>
-            <a:cxnSpLocks/>
-            <a:stCxn id="31" idx="3"/>
-            <a:endCxn id="143" idx="1"/>
-          </p:cNvCxnSpPr>
-          <p:nvPr/>
-        </p:nvCxnSpPr>
-        <p:spPr>
-          <a:xfrm>
-            <a:off x="2578737" y="2660730"/>
-            <a:ext cx="461068" cy="3894"/>
-          </a:xfrm>
-          <a:prstGeom prst="straightConnector1">
-            <a:avLst/>
-          </a:prstGeom>
-          <a:solidFill>
-            <a:schemeClr val="accent1"/>
-          </a:solidFill>
-          <a:ln w="9525" cap="flat" cmpd="sng">
-            <a:solidFill>
-              <a:schemeClr val="dk1"/>
-            </a:solidFill>
-            <a:prstDash val="solid"/>
-            <a:round/>
-            <a:headEnd type="none" w="sm" len="sm"/>
-            <a:tailEnd type="triangle" w="med" len="med"/>
-          </a:ln>
-        </p:spPr>
-      </p:cxnSp>
-      <p:cxnSp>
-        <p:nvCxnSpPr>
           <p:cNvPr id="145" name="Google Shape;145;p14"/>
           <p:cNvCxnSpPr>
             <a:cxnSpLocks/>
@@ -21317,8 +21379,8 @@
         </p:nvCxnSpPr>
         <p:spPr>
           <a:xfrm flipV="1">
-            <a:off x="5383534" y="2664619"/>
-            <a:ext cx="543698" cy="9"/>
+            <a:off x="5884419" y="2215035"/>
+            <a:ext cx="364808" cy="9"/>
           </a:xfrm>
           <a:prstGeom prst="straightConnector1">
             <a:avLst/>
@@ -21345,7 +21407,7 @@
         </p:nvSpPr>
         <p:spPr>
           <a:xfrm>
-            <a:off x="5927232" y="2484469"/>
+            <a:off x="6249227" y="2034885"/>
             <a:ext cx="756880" cy="360300"/>
           </a:xfrm>
           <a:prstGeom prst="rect">
@@ -21407,7 +21469,7 @@
         </p:nvSpPr>
         <p:spPr>
           <a:xfrm>
-            <a:off x="4483534" y="2337628"/>
+            <a:off x="4984419" y="1888044"/>
             <a:ext cx="900000" cy="654000"/>
           </a:xfrm>
           <a:prstGeom prst="diamond">
@@ -21483,15 +21545,16 @@
         <p:nvCxnSpPr>
           <p:cNvPr id="149" name="Google Shape;149;p14"/>
           <p:cNvCxnSpPr>
+            <a:cxnSpLocks/>
             <a:stCxn id="143" idx="3"/>
-            <a:endCxn id="146" idx="1"/>
+            <a:endCxn id="56" idx="1"/>
           </p:cNvCxnSpPr>
           <p:nvPr/>
         </p:nvCxnSpPr>
         <p:spPr>
           <a:xfrm>
-            <a:off x="3939805" y="2664624"/>
-            <a:ext cx="543600" cy="0"/>
+            <a:off x="3532085" y="2215044"/>
+            <a:ext cx="186722" cy="0"/>
           </a:xfrm>
           <a:prstGeom prst="straightConnector1">
             <a:avLst/>
@@ -21518,7 +21581,7 @@
         </p:nvSpPr>
         <p:spPr>
           <a:xfrm>
-            <a:off x="5444034" y="2337630"/>
+            <a:off x="4627519" y="1891944"/>
             <a:ext cx="270300" cy="323100"/>
           </a:xfrm>
           <a:prstGeom prst="rect">
@@ -21545,10 +21608,10 @@
               <a:buNone/>
             </a:pPr>
             <a:r>
-              <a:rPr lang="ko-KR" sz="900"/>
-              <a:t>Y</a:t>
+              <a:rPr lang="en-US" sz="900" dirty="0"/>
+              <a:t>N</a:t>
             </a:r>
-            <a:endParaRPr sz="900"/>
+            <a:endParaRPr sz="900" dirty="0"/>
           </a:p>
         </p:txBody>
       </p:sp>
@@ -21560,7 +21623,7 @@
         </p:nvSpPr>
         <p:spPr>
           <a:xfrm>
-            <a:off x="4116809" y="3229753"/>
+            <a:off x="3261785" y="3696789"/>
             <a:ext cx="270300" cy="323100"/>
           </a:xfrm>
           <a:prstGeom prst="rect">
@@ -21587,10 +21650,10 @@
               <a:buNone/>
             </a:pPr>
             <a:r>
-              <a:rPr lang="ko-KR" sz="900"/>
+              <a:rPr lang="ko-KR" sz="900" dirty="0" err="1"/>
               <a:t>N</a:t>
             </a:r>
-            <a:endParaRPr sz="900"/>
+            <a:endParaRPr sz="900" dirty="0"/>
           </a:p>
         </p:txBody>
       </p:sp>
@@ -21599,19 +21662,19 @@
           <p:cNvPr id="152" name="Google Shape;152;p14"/>
           <p:cNvCxnSpPr>
             <a:cxnSpLocks/>
-            <a:stCxn id="146" idx="2"/>
-            <a:endCxn id="143" idx="2"/>
+            <a:stCxn id="114" idx="1"/>
+            <a:endCxn id="110" idx="1"/>
           </p:cNvCxnSpPr>
           <p:nvPr/>
         </p:nvCxnSpPr>
         <p:spPr>
-          <a:xfrm rot="5400000" flipH="1">
-            <a:off x="4138234" y="2196328"/>
-            <a:ext cx="147000" cy="1443600"/>
+          <a:xfrm rot="10800000" flipH="1">
+            <a:off x="3715665" y="3293073"/>
+            <a:ext cx="3142" cy="907839"/>
           </a:xfrm>
           <a:prstGeom prst="bentConnector3">
             <a:avLst>
-              <a:gd name="adj1" fmla="val -161990"/>
+              <a:gd name="adj1" fmla="val -7275621"/>
             </a:avLst>
           </a:prstGeom>
           <a:solidFill>
@@ -21636,7 +21699,7 @@
         </p:nvSpPr>
         <p:spPr>
           <a:xfrm>
-            <a:off x="8414180" y="2484474"/>
+            <a:off x="8736041" y="2030996"/>
             <a:ext cx="900000" cy="360300"/>
           </a:xfrm>
           <a:prstGeom prst="rect">
@@ -21698,7 +21761,7 @@
         </p:nvCxnSpPr>
         <p:spPr>
           <a:xfrm>
-            <a:off x="6684112" y="2664619"/>
+            <a:off x="7006107" y="2215035"/>
             <a:ext cx="415034" cy="9"/>
           </a:xfrm>
           <a:prstGeom prst="straightConnector1">
@@ -21726,7 +21789,7 @@
         </p:nvSpPr>
         <p:spPr>
           <a:xfrm>
-            <a:off x="7099146" y="2337628"/>
+            <a:off x="7421141" y="1888044"/>
             <a:ext cx="900000" cy="654000"/>
           </a:xfrm>
           <a:prstGeom prst="diamond">
@@ -21778,15 +21841,16 @@
         <p:nvCxnSpPr>
           <p:cNvPr id="156" name="Google Shape;156;p14"/>
           <p:cNvCxnSpPr>
+            <a:cxnSpLocks/>
             <a:stCxn id="155" idx="3"/>
             <a:endCxn id="153" idx="1"/>
           </p:cNvCxnSpPr>
           <p:nvPr/>
         </p:nvCxnSpPr>
         <p:spPr>
-          <a:xfrm>
-            <a:off x="7999146" y="2664628"/>
-            <a:ext cx="414900" cy="0"/>
+          <a:xfrm flipV="1">
+            <a:off x="8321141" y="2211146"/>
+            <a:ext cx="414900" cy="3898"/>
           </a:xfrm>
           <a:prstGeom prst="straightConnector1">
             <a:avLst/>
@@ -21817,7 +21881,7 @@
         </p:nvCxnSpPr>
         <p:spPr>
           <a:xfrm rot="5400000" flipH="1">
-            <a:off x="6853979" y="2296462"/>
+            <a:off x="7175974" y="1846878"/>
             <a:ext cx="146859" cy="1243474"/>
           </a:xfrm>
           <a:prstGeom prst="bentConnector3">
@@ -21847,7 +21911,7 @@
         </p:nvSpPr>
         <p:spPr>
           <a:xfrm>
-            <a:off x="7999884" y="2337630"/>
+            <a:off x="8321879" y="1888046"/>
             <a:ext cx="270300" cy="323100"/>
           </a:xfrm>
           <a:prstGeom prst="rect">
@@ -21889,7 +21953,7 @@
         </p:nvSpPr>
         <p:spPr>
           <a:xfrm>
-            <a:off x="6893134" y="3267303"/>
+            <a:off x="7215129" y="2817719"/>
             <a:ext cx="270300" cy="323100"/>
           </a:xfrm>
           <a:prstGeom prst="rect">
@@ -21931,7 +21995,7 @@
         </p:nvSpPr>
         <p:spPr>
           <a:xfrm>
-            <a:off x="6893134" y="3229755"/>
+            <a:off x="7215129" y="2780171"/>
             <a:ext cx="270300" cy="323100"/>
           </a:xfrm>
           <a:prstGeom prst="rect">
@@ -21970,7 +22034,7 @@
           <p:cNvPr id="2" name="Google Shape;105;p12">
             <a:extLst>
               <a:ext uri="{FF2B5EF4-FFF2-40B4-BE49-F238E27FC236}">
-                <a16:creationId xmlns:a16="http://schemas.microsoft.com/office/drawing/2014/main" xmlns="" id="{BB9304BC-4C91-431D-AD37-715FD5EFD408}"/>
+                <a16:creationId xmlns:a16="http://schemas.microsoft.com/office/drawing/2014/main" id="{BB9304BC-4C91-431D-AD37-715FD5EFD408}"/>
               </a:ext>
             </a:extLst>
           </p:cNvPr>
@@ -22226,7 +22290,7 @@
           <p:cNvPr id="26" name="Google Shape;121;p13">
             <a:extLst>
               <a:ext uri="{FF2B5EF4-FFF2-40B4-BE49-F238E27FC236}">
-                <a16:creationId xmlns:a16="http://schemas.microsoft.com/office/drawing/2014/main" xmlns="" id="{2FD54A72-C5F5-4BDA-A574-CE91D9FFDEAB}"/>
+                <a16:creationId xmlns:a16="http://schemas.microsoft.com/office/drawing/2014/main" id="{2FD54A72-C5F5-4BDA-A574-CE91D9FFDEAB}"/>
               </a:ext>
             </a:extLst>
           </p:cNvPr>
@@ -22235,7 +22299,7 @@
         </p:nvSpPr>
         <p:spPr>
           <a:xfrm>
-            <a:off x="1682956" y="1380823"/>
+            <a:off x="1282085" y="2028543"/>
             <a:ext cx="900000" cy="360300"/>
           </a:xfrm>
           <a:prstGeom prst="rect">
@@ -22287,21 +22351,21 @@
           <p:cNvPr id="28" name="Google Shape;144;p14">
             <a:extLst>
               <a:ext uri="{FF2B5EF4-FFF2-40B4-BE49-F238E27FC236}">
-                <a16:creationId xmlns:a16="http://schemas.microsoft.com/office/drawing/2014/main" xmlns="" id="{B54D99A5-87F5-4749-B9B8-D7D3E170D7CB}"/>
+                <a16:creationId xmlns:a16="http://schemas.microsoft.com/office/drawing/2014/main" id="{B54D99A5-87F5-4749-B9B8-D7D3E170D7CB}"/>
               </a:ext>
             </a:extLst>
           </p:cNvPr>
           <p:cNvCxnSpPr>
             <a:cxnSpLocks/>
-            <a:stCxn id="26" idx="2"/>
-            <a:endCxn id="31" idx="0"/>
+            <a:stCxn id="26" idx="3"/>
+            <a:endCxn id="143" idx="1"/>
           </p:cNvCxnSpPr>
           <p:nvPr/>
         </p:nvCxnSpPr>
         <p:spPr>
-          <a:xfrm flipH="1">
-            <a:off x="2128737" y="1741123"/>
-            <a:ext cx="4219" cy="592607"/>
+          <a:xfrm>
+            <a:off x="2182085" y="2208693"/>
+            <a:ext cx="450000" cy="6351"/>
           </a:xfrm>
           <a:prstGeom prst="straightConnector1">
             <a:avLst/>
@@ -22322,10 +22386,10 @@
       </p:cxnSp>
       <p:sp>
         <p:nvSpPr>
-          <p:cNvPr id="31" name="Google Shape;146;p14">
+          <p:cNvPr id="56" name="Google Shape;146;p14">
             <a:extLst>
               <a:ext uri="{FF2B5EF4-FFF2-40B4-BE49-F238E27FC236}">
-                <a16:creationId xmlns:a16="http://schemas.microsoft.com/office/drawing/2014/main" xmlns="" id="{32D3DEA2-E9DA-47FE-B38B-43B61B3EEF24}"/>
+                <a16:creationId xmlns:a16="http://schemas.microsoft.com/office/drawing/2014/main" id="{91111465-E638-4D88-A153-D3724B509B1D}"/>
               </a:ext>
             </a:extLst>
           </p:cNvPr>
@@ -22334,7 +22398,7 @@
         </p:nvSpPr>
         <p:spPr>
           <a:xfrm>
-            <a:off x="1678737" y="2333730"/>
+            <a:off x="3718807" y="1888044"/>
             <a:ext cx="900000" cy="654000"/>
           </a:xfrm>
           <a:prstGeom prst="diamond">
@@ -22372,7 +22436,7 @@
                 <a:ea typeface="Dotumche"/>
                 <a:sym typeface="Batang"/>
               </a:rPr>
-              <a:t>출석체크 선택</a:t>
+              <a:t>출석확인버튼클릭</a:t>
             </a:r>
             <a:endParaRPr lang="en-US" altLang="ko-KR" sz="900" dirty="0">
               <a:latin typeface="Dotumche"/>
@@ -22382,12 +22446,90 @@
           </a:p>
         </p:txBody>
       </p:sp>
+      <p:cxnSp>
+        <p:nvCxnSpPr>
+          <p:cNvPr id="74" name="Google Shape;152;p14">
+            <a:extLst>
+              <a:ext uri="{FF2B5EF4-FFF2-40B4-BE49-F238E27FC236}">
+                <a16:creationId xmlns:a16="http://schemas.microsoft.com/office/drawing/2014/main" id="{564B06A4-091D-48C5-BF26-8937B4DFADBD}"/>
+              </a:ext>
+            </a:extLst>
+          </p:cNvPr>
+          <p:cNvCxnSpPr>
+            <a:cxnSpLocks/>
+            <a:stCxn id="153" idx="0"/>
+            <a:endCxn id="143" idx="0"/>
+          </p:cNvCxnSpPr>
+          <p:nvPr/>
+        </p:nvCxnSpPr>
+        <p:spPr>
+          <a:xfrm rot="16200000" flipH="1" flipV="1">
+            <a:off x="6132114" y="-1019033"/>
+            <a:ext cx="3898" cy="6103956"/>
+          </a:xfrm>
+          <a:prstGeom prst="bentConnector3">
+            <a:avLst>
+              <a:gd name="adj1" fmla="val -25901744"/>
+            </a:avLst>
+          </a:prstGeom>
+          <a:solidFill>
+            <a:schemeClr val="accent1"/>
+          </a:solidFill>
+          <a:ln w="9525" cap="flat" cmpd="sng">
+            <a:solidFill>
+              <a:schemeClr val="dk1"/>
+            </a:solidFill>
+            <a:prstDash val="solid"/>
+            <a:round/>
+            <a:headEnd type="none" w="sm" len="sm"/>
+            <a:tailEnd type="triangle" w="med" len="med"/>
+          </a:ln>
+        </p:spPr>
+      </p:cxnSp>
+      <p:cxnSp>
+        <p:nvCxnSpPr>
+          <p:cNvPr id="95" name="Google Shape;145;p14">
+            <a:extLst>
+              <a:ext uri="{FF2B5EF4-FFF2-40B4-BE49-F238E27FC236}">
+                <a16:creationId xmlns:a16="http://schemas.microsoft.com/office/drawing/2014/main" id="{80E03790-B0D9-4096-AC84-C9E114161C20}"/>
+              </a:ext>
+            </a:extLst>
+          </p:cNvPr>
+          <p:cNvCxnSpPr>
+            <a:cxnSpLocks/>
+            <a:stCxn id="56" idx="3"/>
+            <a:endCxn id="146" idx="1"/>
+          </p:cNvCxnSpPr>
+          <p:nvPr/>
+        </p:nvCxnSpPr>
+        <p:spPr>
+          <a:xfrm>
+            <a:off x="4618807" y="2215044"/>
+            <a:ext cx="365612" cy="0"/>
+          </a:xfrm>
+          <a:prstGeom prst="straightConnector1">
+            <a:avLst/>
+          </a:prstGeom>
+          <a:solidFill>
+            <a:schemeClr val="accent1"/>
+          </a:solidFill>
+          <a:ln w="9525" cap="flat" cmpd="sng">
+            <a:solidFill>
+              <a:schemeClr val="dk1"/>
+            </a:solidFill>
+            <a:prstDash val="solid"/>
+            <a:round/>
+            <a:headEnd type="none" w="sm" len="sm"/>
+            <a:tailEnd type="triangle" w="med" len="med"/>
+          </a:ln>
+        </p:spPr>
+      </p:cxnSp>
       <p:sp>
         <p:nvSpPr>
-          <p:cNvPr id="34" name="Google Shape;150;p14">
+          <p:cNvPr id="100" name="Google Shape;150;p14">
             <a:extLst>
               <a:ext uri="{FF2B5EF4-FFF2-40B4-BE49-F238E27FC236}">
-                <a16:creationId xmlns:a16="http://schemas.microsoft.com/office/drawing/2014/main" xmlns="" id="{A40BA43B-D7EA-4333-9E03-02D4DE967305}"/>
+                <a16:creationId xmlns:a16="http://schemas.microsoft.com/office/drawing/2014/main" id="{C5306A1E-BE8A-4DC9-9FB2-AD31DF0659EC}"/>
               </a:ext>
             </a:extLst>
           </p:cNvPr>
@@ -22396,7 +22538,7 @@
         </p:nvSpPr>
         <p:spPr>
           <a:xfrm>
-            <a:off x="2613982" y="2337630"/>
+            <a:off x="4165665" y="2574766"/>
             <a:ext cx="270300" cy="323100"/>
           </a:xfrm>
           <a:prstGeom prst="rect">
@@ -22432,28 +22574,722 @@
       </p:sp>
       <p:cxnSp>
         <p:nvCxnSpPr>
-          <p:cNvPr id="39" name="Google Shape;152;p14">
+          <p:cNvPr id="107" name="Google Shape;145;p14">
             <a:extLst>
               <a:ext uri="{FF2B5EF4-FFF2-40B4-BE49-F238E27FC236}">
-                <a16:creationId xmlns:a16="http://schemas.microsoft.com/office/drawing/2014/main" xmlns="" id="{18AE0021-8B15-4391-813E-E3856D749A38}"/>
+                <a16:creationId xmlns:a16="http://schemas.microsoft.com/office/drawing/2014/main" id="{FA3074E3-8762-4239-8C2E-BDF25FC4FE7D}"/>
               </a:ext>
             </a:extLst>
           </p:cNvPr>
           <p:cNvCxnSpPr>
             <a:cxnSpLocks/>
-            <a:endCxn id="26" idx="1"/>
+            <a:stCxn id="56" idx="2"/>
+            <a:endCxn id="110" idx="0"/>
           </p:cNvCxnSpPr>
           <p:nvPr/>
         </p:nvCxnSpPr>
         <p:spPr>
-          <a:xfrm rot="16200000" flipV="1">
-            <a:off x="1192469" y="2051460"/>
-            <a:ext cx="1426758" cy="445783"/>
+          <a:xfrm>
+            <a:off x="4168807" y="2542044"/>
+            <a:ext cx="0" cy="570878"/>
           </a:xfrm>
-          <a:prstGeom prst="bentConnector4">
+          <a:prstGeom prst="straightConnector1">
+            <a:avLst/>
+          </a:prstGeom>
+          <a:solidFill>
+            <a:schemeClr val="accent1"/>
+          </a:solidFill>
+          <a:ln w="9525" cap="flat" cmpd="sng">
+            <a:solidFill>
+              <a:schemeClr val="dk1"/>
+            </a:solidFill>
+            <a:prstDash val="solid"/>
+            <a:round/>
+            <a:headEnd type="none" w="sm" len="sm"/>
+            <a:tailEnd type="triangle" w="med" len="med"/>
+          </a:ln>
+        </p:spPr>
+      </p:cxnSp>
+      <p:sp>
+        <p:nvSpPr>
+          <p:cNvPr id="110" name="Google Shape;143;p14">
+            <a:extLst>
+              <a:ext uri="{FF2B5EF4-FFF2-40B4-BE49-F238E27FC236}">
+                <a16:creationId xmlns:a16="http://schemas.microsoft.com/office/drawing/2014/main" id="{7F19B225-C708-49E5-A4E2-9100AC8709CF}"/>
+              </a:ext>
+            </a:extLst>
+          </p:cNvPr>
+          <p:cNvSpPr/>
+          <p:nvPr/>
+        </p:nvSpPr>
+        <p:spPr>
+          <a:xfrm>
+            <a:off x="3718807" y="3112922"/>
+            <a:ext cx="900000" cy="360300"/>
+          </a:xfrm>
+          <a:prstGeom prst="rect">
+            <a:avLst/>
+          </a:prstGeom>
+          <a:noFill/>
+          <a:ln w="12700" cap="flat" cmpd="sng">
+            <a:solidFill>
+              <a:schemeClr val="dk1"/>
+            </a:solidFill>
+            <a:prstDash val="solid"/>
+            <a:miter lim="800000"/>
+            <a:headEnd type="none" w="sm" len="sm"/>
+            <a:tailEnd type="none" w="sm" len="sm"/>
+          </a:ln>
+        </p:spPr>
+        <p:txBody>
+          <a:bodyPr spcFirstLastPara="1" wrap="square" lIns="82550" tIns="41275" rIns="82550" bIns="41275" anchor="ctr" anchorCtr="0">
+            <a:noAutofit/>
+          </a:bodyPr>
+          <a:lstStyle/>
+          <a:p>
+            <a:pPr marL="0" marR="0" lvl="0" indent="0" algn="ctr" rtl="0">
+              <a:spcBef>
+                <a:spcPts val="0"/>
+              </a:spcBef>
+              <a:spcAft>
+                <a:spcPts val="0"/>
+              </a:spcAft>
+              <a:buNone/>
+            </a:pPr>
+            <a:r>
+              <a:rPr lang="ko-KR" altLang="en-US" sz="900" dirty="0">
+                <a:latin typeface="Dotumche"/>
+                <a:ea typeface="Dotumche"/>
+                <a:cs typeface="Dotumche"/>
+                <a:sym typeface="Dotumche"/>
+              </a:rPr>
+              <a:t>모든</a:t>
+            </a:r>
+            <a:r>
+              <a:rPr lang="en-US" sz="900" dirty="0">
+                <a:latin typeface="Dotumche"/>
+                <a:ea typeface="Dotumche"/>
+                <a:cs typeface="Dotumche"/>
+                <a:sym typeface="Dotumche"/>
+              </a:rPr>
+              <a:t> </a:t>
+            </a:r>
+            <a:r>
+              <a:rPr lang="ko-KR" altLang="en-US" sz="900" dirty="0">
+                <a:latin typeface="Dotumche"/>
+                <a:ea typeface="Dotumche"/>
+                <a:cs typeface="Dotumche"/>
+                <a:sym typeface="Dotumche"/>
+              </a:rPr>
+              <a:t>과목 출결 확인</a:t>
+            </a:r>
+            <a:endParaRPr sz="900" dirty="0">
+              <a:latin typeface="Dotumche"/>
+              <a:ea typeface="Dotumche"/>
+              <a:cs typeface="Dotumche"/>
+              <a:sym typeface="Dotumche"/>
+            </a:endParaRPr>
+          </a:p>
+        </p:txBody>
+      </p:sp>
+      <p:sp>
+        <p:nvSpPr>
+          <p:cNvPr id="114" name="Google Shape;146;p14">
+            <a:extLst>
+              <a:ext uri="{FF2B5EF4-FFF2-40B4-BE49-F238E27FC236}">
+                <a16:creationId xmlns:a16="http://schemas.microsoft.com/office/drawing/2014/main" id="{598A97FE-1894-4FC7-B8E9-F0DADA80BCE0}"/>
+              </a:ext>
+            </a:extLst>
+          </p:cNvPr>
+          <p:cNvSpPr/>
+          <p:nvPr/>
+        </p:nvSpPr>
+        <p:spPr>
+          <a:xfrm>
+            <a:off x="3715665" y="3873911"/>
+            <a:ext cx="900000" cy="654000"/>
+          </a:xfrm>
+          <a:prstGeom prst="diamond">
+            <a:avLst/>
+          </a:prstGeom>
+          <a:noFill/>
+          <a:ln w="9525" cap="flat" cmpd="sng">
+            <a:solidFill>
+              <a:srgbClr val="000000"/>
+            </a:solidFill>
+            <a:prstDash val="solid"/>
+            <a:miter lim="800000"/>
+            <a:headEnd type="none" w="sm" len="sm"/>
+            <a:tailEnd type="none" w="sm" len="sm"/>
+          </a:ln>
+        </p:spPr>
+        <p:txBody>
+          <a:bodyPr spcFirstLastPara="1" wrap="square" lIns="91425" tIns="45700" rIns="91425" bIns="45700" anchor="ctr" anchorCtr="0">
+            <a:noAutofit/>
+          </a:bodyPr>
+          <a:lstStyle/>
+          <a:p>
+            <a:pPr marL="0" marR="0" lvl="0" indent="0" algn="just" rtl="0">
+              <a:spcBef>
+                <a:spcPts val="0"/>
+              </a:spcBef>
+              <a:spcAft>
+                <a:spcPts val="0"/>
+              </a:spcAft>
+              <a:buNone/>
+            </a:pPr>
+            <a:r>
+              <a:rPr lang="ko-KR" altLang="en-US" sz="900" dirty="0">
+                <a:latin typeface="Dotumche"/>
+                <a:ea typeface="Dotumche"/>
+                <a:sym typeface="Batang"/>
+              </a:rPr>
+              <a:t>수강과목 </a:t>
+            </a:r>
+            <a:endParaRPr sz="900" dirty="0">
+              <a:latin typeface="Dotumche"/>
+              <a:ea typeface="Dotumche"/>
+              <a:sym typeface="Batang"/>
+            </a:endParaRPr>
+          </a:p>
+          <a:p>
+            <a:pPr marL="0" marR="0" lvl="0" indent="0" algn="just" rtl="0">
+              <a:spcBef>
+                <a:spcPts val="0"/>
+              </a:spcBef>
+              <a:spcAft>
+                <a:spcPts val="0"/>
+              </a:spcAft>
+              <a:buNone/>
+            </a:pPr>
+            <a:r>
+              <a:rPr lang="ko-KR" altLang="en-US" sz="900" dirty="0">
+                <a:latin typeface="Dotumche"/>
+                <a:ea typeface="Dotumche"/>
+                <a:sym typeface="Batang"/>
+              </a:rPr>
+              <a:t>선택</a:t>
+            </a:r>
+            <a:endParaRPr sz="900" dirty="0">
+              <a:latin typeface="Dotumche"/>
+              <a:ea typeface="Dotumche"/>
+              <a:sym typeface="Batang"/>
+            </a:endParaRPr>
+          </a:p>
+        </p:txBody>
+      </p:sp>
+      <p:cxnSp>
+        <p:nvCxnSpPr>
+          <p:cNvPr id="115" name="Google Shape;145;p14">
+            <a:extLst>
+              <a:ext uri="{FF2B5EF4-FFF2-40B4-BE49-F238E27FC236}">
+                <a16:creationId xmlns:a16="http://schemas.microsoft.com/office/drawing/2014/main" id="{A24D5593-6B06-4F42-8E26-871CEC0349CC}"/>
+              </a:ext>
+            </a:extLst>
+          </p:cNvPr>
+          <p:cNvCxnSpPr>
+            <a:cxnSpLocks/>
+            <a:stCxn id="110" idx="2"/>
+            <a:endCxn id="114" idx="0"/>
+          </p:cNvCxnSpPr>
+          <p:nvPr/>
+        </p:nvCxnSpPr>
+        <p:spPr>
+          <a:xfrm flipH="1">
+            <a:off x="4165665" y="3473222"/>
+            <a:ext cx="3142" cy="400689"/>
+          </a:xfrm>
+          <a:prstGeom prst="straightConnector1">
+            <a:avLst/>
+          </a:prstGeom>
+          <a:solidFill>
+            <a:schemeClr val="accent1"/>
+          </a:solidFill>
+          <a:ln w="9525" cap="flat" cmpd="sng">
+            <a:solidFill>
+              <a:schemeClr val="dk1"/>
+            </a:solidFill>
+            <a:prstDash val="solid"/>
+            <a:round/>
+            <a:headEnd type="none" w="sm" len="sm"/>
+            <a:tailEnd type="triangle" w="med" len="med"/>
+          </a:ln>
+        </p:spPr>
+      </p:cxnSp>
+      <p:cxnSp>
+        <p:nvCxnSpPr>
+          <p:cNvPr id="117" name="Google Shape;145;p14">
+            <a:extLst>
+              <a:ext uri="{FF2B5EF4-FFF2-40B4-BE49-F238E27FC236}">
+                <a16:creationId xmlns:a16="http://schemas.microsoft.com/office/drawing/2014/main" id="{6C7C88E1-04F5-4F40-92EA-24D3306F6789}"/>
+              </a:ext>
+            </a:extLst>
+          </p:cNvPr>
+          <p:cNvCxnSpPr>
+            <a:cxnSpLocks/>
+            <a:stCxn id="114" idx="3"/>
+            <a:endCxn id="128" idx="1"/>
+          </p:cNvCxnSpPr>
+          <p:nvPr/>
+        </p:nvCxnSpPr>
+        <p:spPr>
+          <a:xfrm flipV="1">
+            <a:off x="4615665" y="4200330"/>
+            <a:ext cx="506471" cy="581"/>
+          </a:xfrm>
+          <a:prstGeom prst="straightConnector1">
+            <a:avLst/>
+          </a:prstGeom>
+          <a:solidFill>
+            <a:schemeClr val="accent1"/>
+          </a:solidFill>
+          <a:ln w="9525" cap="flat" cmpd="sng">
+            <a:solidFill>
+              <a:schemeClr val="dk1"/>
+            </a:solidFill>
+            <a:prstDash val="solid"/>
+            <a:round/>
+            <a:headEnd type="none" w="sm" len="sm"/>
+            <a:tailEnd type="triangle" w="med" len="med"/>
+          </a:ln>
+        </p:spPr>
+      </p:cxnSp>
+      <p:sp>
+        <p:nvSpPr>
+          <p:cNvPr id="127" name="Google Shape;151;p14">
+            <a:extLst>
+              <a:ext uri="{FF2B5EF4-FFF2-40B4-BE49-F238E27FC236}">
+                <a16:creationId xmlns:a16="http://schemas.microsoft.com/office/drawing/2014/main" id="{CA2F45E3-39AB-4E16-B360-2F7D1B242746}"/>
+              </a:ext>
+            </a:extLst>
+          </p:cNvPr>
+          <p:cNvSpPr txBox="1"/>
+          <p:nvPr/>
+        </p:nvSpPr>
+        <p:spPr>
+          <a:xfrm>
+            <a:off x="4671485" y="3920192"/>
+            <a:ext cx="270300" cy="323100"/>
+          </a:xfrm>
+          <a:prstGeom prst="rect">
+            <a:avLst/>
+          </a:prstGeom>
+          <a:noFill/>
+          <a:ln>
+            <a:noFill/>
+          </a:ln>
+        </p:spPr>
+        <p:txBody>
+          <a:bodyPr spcFirstLastPara="1" wrap="square" lIns="91425" tIns="91425" rIns="91425" bIns="91425" anchor="t" anchorCtr="0">
+            <a:spAutoFit/>
+          </a:bodyPr>
+          <a:lstStyle/>
+          <a:p>
+            <a:pPr marL="0" lvl="0" indent="0" algn="l" rtl="0">
+              <a:spcBef>
+                <a:spcPts val="0"/>
+              </a:spcBef>
+              <a:spcAft>
+                <a:spcPts val="0"/>
+              </a:spcAft>
+              <a:buNone/>
+            </a:pPr>
+            <a:r>
+              <a:rPr lang="ko-KR" sz="900" dirty="0" err="1"/>
+              <a:t>N</a:t>
+            </a:r>
+            <a:endParaRPr sz="900" dirty="0"/>
+          </a:p>
+        </p:txBody>
+      </p:sp>
+      <p:sp>
+        <p:nvSpPr>
+          <p:cNvPr id="128" name="Google Shape;143;p14">
+            <a:extLst>
+              <a:ext uri="{FF2B5EF4-FFF2-40B4-BE49-F238E27FC236}">
+                <a16:creationId xmlns:a16="http://schemas.microsoft.com/office/drawing/2014/main" id="{141AD5EE-7D15-45D4-BD98-4A3708B0EA81}"/>
+              </a:ext>
+            </a:extLst>
+          </p:cNvPr>
+          <p:cNvSpPr/>
+          <p:nvPr/>
+        </p:nvSpPr>
+        <p:spPr>
+          <a:xfrm>
+            <a:off x="5122136" y="3972760"/>
+            <a:ext cx="900000" cy="455139"/>
+          </a:xfrm>
+          <a:prstGeom prst="rect">
+            <a:avLst/>
+          </a:prstGeom>
+          <a:noFill/>
+          <a:ln w="12700" cap="flat" cmpd="sng">
+            <a:solidFill>
+              <a:schemeClr val="dk1"/>
+            </a:solidFill>
+            <a:prstDash val="solid"/>
+            <a:miter lim="800000"/>
+            <a:headEnd type="none" w="sm" len="sm"/>
+            <a:tailEnd type="none" w="sm" len="sm"/>
+          </a:ln>
+        </p:spPr>
+        <p:txBody>
+          <a:bodyPr spcFirstLastPara="1" wrap="square" lIns="82550" tIns="41275" rIns="82550" bIns="41275" anchor="ctr" anchorCtr="0">
+            <a:noAutofit/>
+          </a:bodyPr>
+          <a:lstStyle/>
+          <a:p>
+            <a:pPr marL="0" marR="0" lvl="0" indent="0" algn="ctr" rtl="0">
+              <a:spcBef>
+                <a:spcPts val="0"/>
+              </a:spcBef>
+              <a:spcAft>
+                <a:spcPts val="0"/>
+              </a:spcAft>
+              <a:buNone/>
+            </a:pPr>
+            <a:r>
+              <a:rPr lang="ko-KR" altLang="en-US" sz="900">
+                <a:latin typeface="Dotumche"/>
+                <a:ea typeface="Dotumche"/>
+                <a:cs typeface="Dotumche"/>
+                <a:sym typeface="Dotumche"/>
+              </a:rPr>
+              <a:t>과목 별 출석상태 확인</a:t>
+            </a:r>
+            <a:endParaRPr sz="900" dirty="0">
+              <a:latin typeface="Dotumche"/>
+              <a:ea typeface="Dotumche"/>
+              <a:cs typeface="Dotumche"/>
+              <a:sym typeface="Dotumche"/>
+            </a:endParaRPr>
+          </a:p>
+        </p:txBody>
+      </p:sp>
+      <p:cxnSp>
+        <p:nvCxnSpPr>
+          <p:cNvPr id="133" name="Google Shape;145;p14">
+            <a:extLst>
+              <a:ext uri="{FF2B5EF4-FFF2-40B4-BE49-F238E27FC236}">
+                <a16:creationId xmlns:a16="http://schemas.microsoft.com/office/drawing/2014/main" id="{865C12D8-AA97-4BF7-9FC8-3D94F55625A3}"/>
+              </a:ext>
+            </a:extLst>
+          </p:cNvPr>
+          <p:cNvCxnSpPr>
+            <a:cxnSpLocks/>
+            <a:stCxn id="128" idx="3"/>
+            <a:endCxn id="136" idx="1"/>
+          </p:cNvCxnSpPr>
+          <p:nvPr/>
+        </p:nvCxnSpPr>
+        <p:spPr>
+          <a:xfrm>
+            <a:off x="6022136" y="4200330"/>
+            <a:ext cx="777046" cy="581"/>
+          </a:xfrm>
+          <a:prstGeom prst="straightConnector1">
+            <a:avLst/>
+          </a:prstGeom>
+          <a:solidFill>
+            <a:schemeClr val="accent1"/>
+          </a:solidFill>
+          <a:ln w="9525" cap="flat" cmpd="sng">
+            <a:solidFill>
+              <a:schemeClr val="dk1"/>
+            </a:solidFill>
+            <a:prstDash val="solid"/>
+            <a:round/>
+            <a:headEnd type="none" w="sm" len="sm"/>
+            <a:tailEnd type="triangle" w="med" len="med"/>
+          </a:ln>
+        </p:spPr>
+      </p:cxnSp>
+      <p:sp>
+        <p:nvSpPr>
+          <p:cNvPr id="136" name="Google Shape;146;p14">
+            <a:extLst>
+              <a:ext uri="{FF2B5EF4-FFF2-40B4-BE49-F238E27FC236}">
+                <a16:creationId xmlns:a16="http://schemas.microsoft.com/office/drawing/2014/main" id="{6E213692-9BEF-412E-B7D6-038AE5CB8A9F}"/>
+              </a:ext>
+            </a:extLst>
+          </p:cNvPr>
+          <p:cNvSpPr/>
+          <p:nvPr/>
+        </p:nvSpPr>
+        <p:spPr>
+          <a:xfrm>
+            <a:off x="6799182" y="3873911"/>
+            <a:ext cx="900000" cy="654000"/>
+          </a:xfrm>
+          <a:prstGeom prst="diamond">
+            <a:avLst/>
+          </a:prstGeom>
+          <a:noFill/>
+          <a:ln w="9525" cap="flat" cmpd="sng">
+            <a:solidFill>
+              <a:srgbClr val="000000"/>
+            </a:solidFill>
+            <a:prstDash val="solid"/>
+            <a:miter lim="800000"/>
+            <a:headEnd type="none" w="sm" len="sm"/>
+            <a:tailEnd type="none" w="sm" len="sm"/>
+          </a:ln>
+        </p:spPr>
+        <p:txBody>
+          <a:bodyPr spcFirstLastPara="1" wrap="square" lIns="91425" tIns="45700" rIns="91425" bIns="45700" anchor="ctr" anchorCtr="0">
+            <a:noAutofit/>
+          </a:bodyPr>
+          <a:lstStyle/>
+          <a:p>
+            <a:pPr lvl="0" algn="just"/>
+            <a:r>
+              <a:rPr lang="ko-KR" altLang="en-US" sz="900" dirty="0">
+                <a:latin typeface="Dotumche"/>
+                <a:ea typeface="Dotumche"/>
+                <a:sym typeface="Batang"/>
+              </a:rPr>
+              <a:t>결석 </a:t>
+            </a:r>
+            <a:r>
+              <a:rPr lang="en-US" altLang="ko-KR" sz="900" dirty="0">
+                <a:latin typeface="Dotumche"/>
+                <a:ea typeface="Dotumche"/>
+                <a:sym typeface="Batang"/>
+              </a:rPr>
+              <a:t>4</a:t>
+            </a:r>
+            <a:r>
+              <a:rPr lang="ko-KR" altLang="en-US" sz="900" dirty="0">
+                <a:latin typeface="Dotumche"/>
+                <a:ea typeface="Dotumche"/>
+                <a:sym typeface="Batang"/>
+              </a:rPr>
+              <a:t>회 이상</a:t>
+            </a:r>
+          </a:p>
+        </p:txBody>
+      </p:sp>
+      <p:sp>
+        <p:nvSpPr>
+          <p:cNvPr id="138" name="Google Shape;159;p14">
+            <a:extLst>
+              <a:ext uri="{FF2B5EF4-FFF2-40B4-BE49-F238E27FC236}">
+                <a16:creationId xmlns:a16="http://schemas.microsoft.com/office/drawing/2014/main" id="{55DA3646-DDA9-407C-964C-EA06718735EF}"/>
+              </a:ext>
+            </a:extLst>
+          </p:cNvPr>
+          <p:cNvSpPr txBox="1"/>
+          <p:nvPr/>
+        </p:nvSpPr>
+        <p:spPr>
+          <a:xfrm>
+            <a:off x="7038353" y="3273384"/>
+            <a:ext cx="270300" cy="323100"/>
+          </a:xfrm>
+          <a:prstGeom prst="rect">
+            <a:avLst/>
+          </a:prstGeom>
+          <a:noFill/>
+          <a:ln>
+            <a:noFill/>
+          </a:ln>
+        </p:spPr>
+        <p:txBody>
+          <a:bodyPr spcFirstLastPara="1" wrap="square" lIns="91425" tIns="91425" rIns="91425" bIns="91425" anchor="t" anchorCtr="0">
+            <a:spAutoFit/>
+          </a:bodyPr>
+          <a:lstStyle/>
+          <a:p>
+            <a:pPr marL="0" lvl="0" indent="0" algn="l" rtl="0">
+              <a:spcBef>
+                <a:spcPts val="0"/>
+              </a:spcBef>
+              <a:spcAft>
+                <a:spcPts val="0"/>
+              </a:spcAft>
+              <a:buNone/>
+            </a:pPr>
+            <a:r>
+              <a:rPr lang="ko-KR" sz="900"/>
+              <a:t> </a:t>
+            </a:r>
+            <a:endParaRPr sz="900"/>
+          </a:p>
+        </p:txBody>
+      </p:sp>
+      <p:sp>
+        <p:nvSpPr>
+          <p:cNvPr id="142" name="Google Shape;160;p14">
+            <a:extLst>
+              <a:ext uri="{FF2B5EF4-FFF2-40B4-BE49-F238E27FC236}">
+                <a16:creationId xmlns:a16="http://schemas.microsoft.com/office/drawing/2014/main" id="{BE428759-2FC0-4F9D-9FE0-5492C3CDDF77}"/>
+              </a:ext>
+            </a:extLst>
+          </p:cNvPr>
+          <p:cNvSpPr txBox="1"/>
+          <p:nvPr/>
+        </p:nvSpPr>
+        <p:spPr>
+          <a:xfrm>
+            <a:off x="7818075" y="3877229"/>
+            <a:ext cx="270300" cy="323100"/>
+          </a:xfrm>
+          <a:prstGeom prst="rect">
+            <a:avLst/>
+          </a:prstGeom>
+          <a:noFill/>
+          <a:ln>
+            <a:noFill/>
+          </a:ln>
+        </p:spPr>
+        <p:txBody>
+          <a:bodyPr spcFirstLastPara="1" wrap="square" lIns="91425" tIns="91425" rIns="91425" bIns="91425" anchor="t" anchorCtr="0">
+            <a:spAutoFit/>
+          </a:bodyPr>
+          <a:lstStyle/>
+          <a:p>
+            <a:pPr marL="0" lvl="0" indent="0" algn="l" rtl="0">
+              <a:spcBef>
+                <a:spcPts val="0"/>
+              </a:spcBef>
+              <a:spcAft>
+                <a:spcPts val="0"/>
+              </a:spcAft>
+              <a:buNone/>
+            </a:pPr>
+            <a:r>
+              <a:rPr lang="ko-KR" sz="900" dirty="0" err="1"/>
+              <a:t>Y</a:t>
+            </a:r>
+            <a:endParaRPr sz="900" dirty="0"/>
+          </a:p>
+        </p:txBody>
+      </p:sp>
+      <p:cxnSp>
+        <p:nvCxnSpPr>
+          <p:cNvPr id="148" name="Google Shape;161;p14">
+            <a:extLst>
+              <a:ext uri="{FF2B5EF4-FFF2-40B4-BE49-F238E27FC236}">
+                <a16:creationId xmlns:a16="http://schemas.microsoft.com/office/drawing/2014/main" id="{9BAA281E-1B12-48BF-A688-49A6D2E0CE66}"/>
+              </a:ext>
+            </a:extLst>
+          </p:cNvPr>
+          <p:cNvCxnSpPr>
+            <a:cxnSpLocks/>
+            <a:stCxn id="136" idx="3"/>
+            <a:endCxn id="161" idx="1"/>
+          </p:cNvCxnSpPr>
+          <p:nvPr/>
+        </p:nvCxnSpPr>
+        <p:spPr>
+          <a:xfrm flipV="1">
+            <a:off x="7699182" y="4191380"/>
+            <a:ext cx="508087" cy="9531"/>
+          </a:xfrm>
+          <a:prstGeom prst="straightConnector1">
+            <a:avLst/>
+          </a:prstGeom>
+          <a:solidFill>
+            <a:schemeClr val="accent1"/>
+          </a:solidFill>
+          <a:ln w="9525" cap="flat" cmpd="sng">
+            <a:solidFill>
+              <a:schemeClr val="dk1"/>
+            </a:solidFill>
+            <a:prstDash val="solid"/>
+            <a:round/>
+            <a:headEnd type="none" w="sm" len="sm"/>
+            <a:tailEnd type="triangle" w="med" len="med"/>
+          </a:ln>
+        </p:spPr>
+      </p:cxnSp>
+      <p:sp>
+        <p:nvSpPr>
+          <p:cNvPr id="161" name="Google Shape;77;p11">
+            <a:extLst>
+              <a:ext uri="{FF2B5EF4-FFF2-40B4-BE49-F238E27FC236}">
+                <a16:creationId xmlns:a16="http://schemas.microsoft.com/office/drawing/2014/main" id="{99048734-A761-4E7C-ACFC-814CCCE0965D}"/>
+              </a:ext>
+            </a:extLst>
+          </p:cNvPr>
+          <p:cNvSpPr/>
+          <p:nvPr/>
+        </p:nvSpPr>
+        <p:spPr>
+          <a:xfrm>
+            <a:off x="8207269" y="4011199"/>
+            <a:ext cx="827088" cy="360362"/>
+          </a:xfrm>
+          <a:prstGeom prst="rect">
+            <a:avLst/>
+          </a:prstGeom>
+          <a:solidFill>
+            <a:schemeClr val="accent1"/>
+          </a:solidFill>
+          <a:ln w="12700" cap="flat" cmpd="sng">
+            <a:solidFill>
+              <a:schemeClr val="dk1"/>
+            </a:solidFill>
+            <a:prstDash val="solid"/>
+            <a:miter lim="800000"/>
+            <a:headEnd type="none" w="sm" len="sm"/>
+            <a:tailEnd type="none" w="sm" len="sm"/>
+          </a:ln>
+        </p:spPr>
+        <p:txBody>
+          <a:bodyPr spcFirstLastPara="1" wrap="square" lIns="82550" tIns="41275" rIns="82550" bIns="41275" anchor="ctr" anchorCtr="0">
+            <a:noAutofit/>
+          </a:bodyPr>
+          <a:lstStyle/>
+          <a:p>
+            <a:pPr marL="0" marR="0" lvl="0" indent="0" algn="ctr" rtl="0">
+              <a:spcBef>
+                <a:spcPts val="0"/>
+              </a:spcBef>
+              <a:spcAft>
+                <a:spcPts val="0"/>
+              </a:spcAft>
+              <a:buNone/>
+            </a:pPr>
+            <a:r>
+              <a:rPr lang="ko-KR" altLang="en-US" sz="900" dirty="0">
+                <a:latin typeface="Dotumche"/>
+                <a:ea typeface="Dotumche"/>
+                <a:sym typeface="Tahoma"/>
+              </a:rPr>
+              <a:t>낙제</a:t>
+            </a:r>
+            <a:endParaRPr sz="900" dirty="0">
+              <a:latin typeface="Dotumche"/>
+              <a:ea typeface="Dotumche"/>
+            </a:endParaRPr>
+          </a:p>
+        </p:txBody>
+      </p:sp>
+      <p:cxnSp>
+        <p:nvCxnSpPr>
+          <p:cNvPr id="162" name="Google Shape;156;p14">
+            <a:extLst>
+              <a:ext uri="{FF2B5EF4-FFF2-40B4-BE49-F238E27FC236}">
+                <a16:creationId xmlns:a16="http://schemas.microsoft.com/office/drawing/2014/main" id="{69865C15-A729-4FAE-85A9-9513085A3BCE}"/>
+              </a:ext>
+            </a:extLst>
+          </p:cNvPr>
+          <p:cNvCxnSpPr>
+            <a:cxnSpLocks/>
+            <a:stCxn id="136" idx="0"/>
+            <a:endCxn id="128" idx="0"/>
+          </p:cNvCxnSpPr>
+          <p:nvPr/>
+        </p:nvCxnSpPr>
+        <p:spPr>
+          <a:xfrm rot="16200000" flipH="1" flipV="1">
+            <a:off x="6361234" y="3084812"/>
+            <a:ext cx="98849" cy="1677046"/>
+          </a:xfrm>
+          <a:prstGeom prst="bentConnector3">
             <a:avLst>
-              <a:gd name="adj1" fmla="val -45914"/>
-              <a:gd name="adj2" fmla="val 151281"/>
+              <a:gd name="adj1" fmla="val -231262"/>
             </a:avLst>
           </a:prstGeom>
           <a:solidFill>
@@ -22472,10 +23308,10 @@
       </p:cxnSp>
       <p:sp>
         <p:nvSpPr>
-          <p:cNvPr id="42" name="Google Shape;151;p14">
+          <p:cNvPr id="163" name="Google Shape;158;p14">
             <a:extLst>
               <a:ext uri="{FF2B5EF4-FFF2-40B4-BE49-F238E27FC236}">
-                <a16:creationId xmlns:a16="http://schemas.microsoft.com/office/drawing/2014/main" xmlns="" id="{6437ACC0-3C73-43B3-A299-C4411683D1F6}"/>
+                <a16:creationId xmlns:a16="http://schemas.microsoft.com/office/drawing/2014/main" id="{DC74F23B-9843-4904-8696-712B68935483}"/>
               </a:ext>
             </a:extLst>
           </p:cNvPr>
@@ -22484,7 +23320,7 @@
         </p:nvSpPr>
         <p:spPr>
           <a:xfrm>
-            <a:off x="1678737" y="3598938"/>
+            <a:off x="6299660" y="3386687"/>
             <a:ext cx="270300" cy="323100"/>
           </a:xfrm>
           <a:prstGeom prst="rect">
@@ -22511,47 +23347,13 @@
               <a:buNone/>
             </a:pPr>
             <a:r>
-              <a:rPr lang="ko-KR" sz="900"/>
+              <a:rPr lang="ko-KR" sz="900" dirty="0" err="1"/>
               <a:t>N</a:t>
             </a:r>
-            <a:endParaRPr sz="900"/>
+            <a:endParaRPr sz="900" dirty="0"/>
           </a:p>
         </p:txBody>
       </p:sp>
-      <p:cxnSp>
-        <p:nvCxnSpPr>
-          <p:cNvPr id="33" name="Google Shape;152;p14"/>
-          <p:cNvCxnSpPr>
-            <a:cxnSpLocks/>
-            <a:stCxn id="153" idx="0"/>
-            <a:endCxn id="143" idx="0"/>
-          </p:cNvCxnSpPr>
-          <p:nvPr/>
-        </p:nvCxnSpPr>
-        <p:spPr>
-          <a:xfrm rot="16200000" flipV="1">
-            <a:off x="6176993" y="-202714"/>
-            <a:ext cx="12700" cy="5374375"/>
-          </a:xfrm>
-          <a:prstGeom prst="bentConnector3">
-            <a:avLst>
-              <a:gd name="adj1" fmla="val 7617197"/>
-            </a:avLst>
-          </a:prstGeom>
-          <a:solidFill>
-            <a:schemeClr val="accent1"/>
-          </a:solidFill>
-          <a:ln w="9525" cap="flat" cmpd="sng">
-            <a:solidFill>
-              <a:schemeClr val="dk1"/>
-            </a:solidFill>
-            <a:prstDash val="solid"/>
-            <a:round/>
-            <a:headEnd type="none" w="sm" len="sm"/>
-            <a:tailEnd type="triangle" w="med" len="med"/>
-          </a:ln>
-        </p:spPr>
-      </p:cxnSp>
     </p:spTree>
   </p:cSld>
   <p:clrMapOvr>
@@ -22565,7 +23367,7 @@
   <p:cSld>
     <p:spTree>
       <p:nvGrpSpPr>
-        <p:cNvPr id="1" name="Shape 138"/>
+        <p:cNvPr id="1" name="Shape 117"/>
         <p:cNvGrpSpPr/>
         <p:nvPr/>
       </p:nvGrpSpPr>
@@ -22579,7 +23381,7 @@
       </p:grpSpPr>
       <p:sp>
         <p:nvSpPr>
-          <p:cNvPr id="139" name="Google Shape;139;p14"/>
+          <p:cNvPr id="118" name="Google Shape;118;p13"/>
           <p:cNvSpPr txBox="1">
             <a:spLocks noGrp="1"/>
           </p:cNvSpPr>
@@ -22623,16 +23425,16 @@
               <a:buNone/>
             </a:pPr>
             <a:r>
-              <a:rPr lang="ko-KR" dirty="0"/>
-              <a:t>사용자</a:t>
+              <a:rPr lang="ko-KR" altLang="en-US" dirty="0"/>
+              <a:t>관리자</a:t>
             </a:r>
-            <a:endParaRPr dirty="0"/>
+            <a:endParaRPr lang="en-US" altLang="ko-KR" dirty="0"/>
           </a:p>
         </p:txBody>
       </p:sp>
       <p:sp>
         <p:nvSpPr>
-          <p:cNvPr id="140" name="Google Shape;140;p14"/>
+          <p:cNvPr id="119" name="Google Shape;119;p13"/>
           <p:cNvSpPr txBox="1">
             <a:spLocks noGrp="1"/>
           </p:cNvSpPr>
@@ -22672,7 +23474,7 @@
               <a:buNone/>
             </a:pPr>
             <a:r>
-              <a:rPr lang="ko-KR" dirty="0"/>
+              <a:rPr lang="ko-KR" altLang="en-US" dirty="0"/>
               <a:t>출석관리</a:t>
             </a:r>
             <a:endParaRPr dirty="0"/>
@@ -22681,7 +23483,7 @@
       </p:sp>
       <p:sp>
         <p:nvSpPr>
-          <p:cNvPr id="141" name="Google Shape;141;p14"/>
+          <p:cNvPr id="120" name="Google Shape;120;p13"/>
           <p:cNvSpPr txBox="1">
             <a:spLocks noGrp="1"/>
           </p:cNvSpPr>
@@ -22732,20 +23534,75 @@
           </a:p>
         </p:txBody>
       </p:sp>
+      <p:sp>
+        <p:nvSpPr>
+          <p:cNvPr id="121" name="Google Shape;121;p13"/>
+          <p:cNvSpPr/>
+          <p:nvPr/>
+        </p:nvSpPr>
+        <p:spPr>
+          <a:xfrm>
+            <a:off x="1461154" y="2484621"/>
+            <a:ext cx="900000" cy="360300"/>
+          </a:xfrm>
+          <a:prstGeom prst="rect">
+            <a:avLst/>
+          </a:prstGeom>
+          <a:solidFill>
+            <a:schemeClr val="accent1"/>
+          </a:solidFill>
+          <a:ln w="12700" cap="flat" cmpd="sng">
+            <a:solidFill>
+              <a:schemeClr val="dk1"/>
+            </a:solidFill>
+            <a:prstDash val="solid"/>
+            <a:miter lim="800000"/>
+            <a:headEnd type="none" w="sm" len="sm"/>
+            <a:tailEnd type="none" w="sm" len="sm"/>
+          </a:ln>
+        </p:spPr>
+        <p:txBody>
+          <a:bodyPr spcFirstLastPara="1" wrap="square" lIns="82550" tIns="41275" rIns="82550" bIns="41275" anchor="ctr" anchorCtr="0">
+            <a:noAutofit/>
+          </a:bodyPr>
+          <a:lstStyle/>
+          <a:p>
+            <a:pPr marL="0" marR="0" lvl="0" indent="0" algn="ctr" rtl="0">
+              <a:spcBef>
+                <a:spcPts val="0"/>
+              </a:spcBef>
+              <a:spcAft>
+                <a:spcPts val="0"/>
+              </a:spcAft>
+              <a:buNone/>
+            </a:pPr>
+            <a:r>
+              <a:rPr lang="ko-KR" sz="900">
+                <a:latin typeface="Dotumche"/>
+                <a:ea typeface="Dotumche"/>
+                <a:cs typeface="Dotumche"/>
+                <a:sym typeface="Dotumche"/>
+              </a:rPr>
+              <a:t>로그인</a:t>
+            </a:r>
+            <a:endParaRPr/>
+          </a:p>
+        </p:txBody>
+      </p:sp>
       <p:cxnSp>
         <p:nvCxnSpPr>
-          <p:cNvPr id="144" name="Google Shape;144;p14"/>
+          <p:cNvPr id="123" name="Google Shape;123;p13"/>
           <p:cNvCxnSpPr>
             <a:cxnSpLocks/>
-            <a:stCxn id="31" idx="3"/>
-            <a:endCxn id="36" idx="1"/>
+            <a:stCxn id="121" idx="3"/>
+            <a:endCxn id="125" idx="1"/>
           </p:cNvCxnSpPr>
           <p:nvPr/>
         </p:nvCxnSpPr>
         <p:spPr>
           <a:xfrm>
-            <a:off x="2578737" y="2660730"/>
-            <a:ext cx="973435" cy="5098"/>
+            <a:off x="2361154" y="2664771"/>
+            <a:ext cx="553468" cy="8265"/>
           </a:xfrm>
           <a:prstGeom prst="straightConnector1">
             <a:avLst/>
@@ -22766,10 +23623,272 @@
       </p:cxnSp>
       <p:sp>
         <p:nvSpPr>
+          <p:cNvPr id="125" name="Google Shape;125;p13"/>
+          <p:cNvSpPr/>
+          <p:nvPr/>
+        </p:nvSpPr>
+        <p:spPr>
+          <a:xfrm>
+            <a:off x="2914622" y="2430955"/>
+            <a:ext cx="1209617" cy="484162"/>
+          </a:xfrm>
+          <a:prstGeom prst="rect">
+            <a:avLst/>
+          </a:prstGeom>
+          <a:noFill/>
+          <a:ln w="12700" cap="flat" cmpd="sng">
+            <a:solidFill>
+              <a:schemeClr val="dk1"/>
+            </a:solidFill>
+            <a:prstDash val="solid"/>
+            <a:miter lim="800000"/>
+            <a:headEnd type="none" w="sm" len="sm"/>
+            <a:tailEnd type="none" w="sm" len="sm"/>
+          </a:ln>
+        </p:spPr>
+        <p:txBody>
+          <a:bodyPr spcFirstLastPara="1" wrap="square" lIns="82550" tIns="41275" rIns="82550" bIns="41275" anchor="ctr" anchorCtr="0">
+            <a:noAutofit/>
+          </a:bodyPr>
+          <a:lstStyle/>
+          <a:p>
+            <a:pPr marL="0" marR="0" lvl="0" indent="0" algn="ctr" rtl="0">
+              <a:spcBef>
+                <a:spcPts val="0"/>
+              </a:spcBef>
+              <a:spcAft>
+                <a:spcPts val="0"/>
+              </a:spcAft>
+              <a:buNone/>
+            </a:pPr>
+            <a:r>
+              <a:rPr lang="ko-KR" altLang="en-US" sz="900" b="0" i="0" u="none" strike="noStrike" cap="none" dirty="0">
+                <a:solidFill>
+                  <a:srgbClr val="000000"/>
+                </a:solidFill>
+                <a:latin typeface="Dotumche"/>
+                <a:ea typeface="Dotumche"/>
+                <a:cs typeface="Dotumche"/>
+                <a:sym typeface="Dotumche"/>
+              </a:rPr>
+              <a:t>수강 생이 있는 전체 과목의 학생의 출석상태 확인</a:t>
+            </a:r>
+            <a:endParaRPr dirty="0"/>
+          </a:p>
+        </p:txBody>
+      </p:sp>
+      <p:sp>
+        <p:nvSpPr>
+          <p:cNvPr id="128" name="Google Shape;128;p13"/>
+          <p:cNvSpPr/>
+          <p:nvPr/>
+        </p:nvSpPr>
+        <p:spPr>
+          <a:xfrm>
+            <a:off x="4677707" y="2430955"/>
+            <a:ext cx="900000" cy="480900"/>
+          </a:xfrm>
+          <a:prstGeom prst="diamond">
+            <a:avLst/>
+          </a:prstGeom>
+          <a:noFill/>
+          <a:ln w="9525" cap="flat" cmpd="sng">
+            <a:solidFill>
+              <a:srgbClr val="000000"/>
+            </a:solidFill>
+            <a:prstDash val="solid"/>
+            <a:miter lim="800000"/>
+            <a:headEnd type="none" w="sm" len="sm"/>
+            <a:tailEnd type="none" w="sm" len="sm"/>
+          </a:ln>
+        </p:spPr>
+        <p:txBody>
+          <a:bodyPr spcFirstLastPara="1" wrap="square" lIns="91425" tIns="45700" rIns="91425" bIns="45700" anchor="ctr" anchorCtr="0">
+            <a:noAutofit/>
+          </a:bodyPr>
+          <a:lstStyle/>
+          <a:p>
+            <a:pPr marL="0" marR="0" lvl="0" indent="0" algn="just" rtl="0">
+              <a:spcBef>
+                <a:spcPts val="0"/>
+              </a:spcBef>
+              <a:spcAft>
+                <a:spcPts val="0"/>
+              </a:spcAft>
+              <a:buNone/>
+            </a:pPr>
+            <a:r>
+              <a:rPr lang="ko-KR" altLang="en-US" sz="900" dirty="0">
+                <a:latin typeface="Dotumche"/>
+                <a:ea typeface="Dotumche"/>
+                <a:sym typeface="Batang"/>
+              </a:rPr>
+              <a:t>과목 선택</a:t>
+            </a:r>
+            <a:endParaRPr sz="900" dirty="0">
+              <a:latin typeface="Dotumche"/>
+              <a:ea typeface="Dotumche"/>
+              <a:sym typeface="Batang"/>
+            </a:endParaRPr>
+          </a:p>
+        </p:txBody>
+      </p:sp>
+      <p:cxnSp>
+        <p:nvCxnSpPr>
+          <p:cNvPr id="129" name="Google Shape;129;p13"/>
+          <p:cNvCxnSpPr>
+            <a:cxnSpLocks/>
+            <a:stCxn id="125" idx="3"/>
+            <a:endCxn id="128" idx="1"/>
+          </p:cNvCxnSpPr>
+          <p:nvPr/>
+        </p:nvCxnSpPr>
+        <p:spPr>
+          <a:xfrm flipV="1">
+            <a:off x="4124239" y="2671405"/>
+            <a:ext cx="553468" cy="1631"/>
+          </a:xfrm>
+          <a:prstGeom prst="straightConnector1">
+            <a:avLst/>
+          </a:prstGeom>
+          <a:solidFill>
+            <a:schemeClr val="accent1"/>
+          </a:solidFill>
+          <a:ln w="9525" cap="flat" cmpd="sng">
+            <a:solidFill>
+              <a:schemeClr val="dk1"/>
+            </a:solidFill>
+            <a:prstDash val="solid"/>
+            <a:round/>
+            <a:headEnd type="none" w="sm" len="sm"/>
+            <a:tailEnd type="triangle" w="med" len="med"/>
+          </a:ln>
+        </p:spPr>
+      </p:cxnSp>
+      <p:sp>
+        <p:nvSpPr>
+          <p:cNvPr id="131" name="Google Shape;131;p13"/>
+          <p:cNvSpPr txBox="1"/>
+          <p:nvPr/>
+        </p:nvSpPr>
+        <p:spPr>
+          <a:xfrm>
+            <a:off x="5825406" y="2430955"/>
+            <a:ext cx="270300" cy="323100"/>
+          </a:xfrm>
+          <a:prstGeom prst="rect">
+            <a:avLst/>
+          </a:prstGeom>
+          <a:noFill/>
+          <a:ln>
+            <a:noFill/>
+          </a:ln>
+        </p:spPr>
+        <p:txBody>
+          <a:bodyPr spcFirstLastPara="1" wrap="square" lIns="91425" tIns="91425" rIns="91425" bIns="91425" anchor="t" anchorCtr="0">
+            <a:spAutoFit/>
+          </a:bodyPr>
+          <a:lstStyle/>
+          <a:p>
+            <a:pPr marL="0" lvl="0" indent="0" algn="l" rtl="0">
+              <a:spcBef>
+                <a:spcPts val="0"/>
+              </a:spcBef>
+              <a:spcAft>
+                <a:spcPts val="0"/>
+              </a:spcAft>
+              <a:buNone/>
+            </a:pPr>
+            <a:r>
+              <a:rPr lang="ko-KR" sz="900"/>
+              <a:t>Y</a:t>
+            </a:r>
+            <a:endParaRPr sz="900"/>
+          </a:p>
+        </p:txBody>
+      </p:sp>
+      <p:cxnSp>
+        <p:nvCxnSpPr>
+          <p:cNvPr id="133" name="Google Shape;133;p13"/>
+          <p:cNvCxnSpPr>
+            <a:cxnSpLocks/>
+            <a:stCxn id="128" idx="2"/>
+            <a:endCxn id="125" idx="2"/>
+          </p:cNvCxnSpPr>
+          <p:nvPr/>
+        </p:nvCxnSpPr>
+        <p:spPr>
+          <a:xfrm rot="5400000">
+            <a:off x="4321938" y="2109348"/>
+            <a:ext cx="3262" cy="1608276"/>
+          </a:xfrm>
+          <a:prstGeom prst="bentConnector3">
+            <a:avLst>
+              <a:gd name="adj1" fmla="val 7107971"/>
+            </a:avLst>
+          </a:prstGeom>
+          <a:solidFill>
+            <a:schemeClr val="accent1"/>
+          </a:solidFill>
+          <a:ln w="9525" cap="flat" cmpd="sng">
+            <a:solidFill>
+              <a:schemeClr val="dk1"/>
+            </a:solidFill>
+            <a:prstDash val="solid"/>
+            <a:round/>
+            <a:headEnd type="none" w="sm" len="sm"/>
+            <a:tailEnd type="triangle" w="med" len="med"/>
+          </a:ln>
+        </p:spPr>
+      </p:cxnSp>
+      <p:sp>
+        <p:nvSpPr>
+          <p:cNvPr id="134" name="Google Shape;134;p13"/>
+          <p:cNvSpPr txBox="1"/>
+          <p:nvPr/>
+        </p:nvSpPr>
+        <p:spPr>
+          <a:xfrm>
+            <a:off x="4066175" y="3158225"/>
+            <a:ext cx="270300" cy="323100"/>
+          </a:xfrm>
+          <a:prstGeom prst="rect">
+            <a:avLst/>
+          </a:prstGeom>
+          <a:noFill/>
+          <a:ln>
+            <a:noFill/>
+          </a:ln>
+        </p:spPr>
+        <p:txBody>
+          <a:bodyPr spcFirstLastPara="1" wrap="square" lIns="91425" tIns="91425" rIns="91425" bIns="91425" anchor="t" anchorCtr="0">
+            <a:spAutoFit/>
+          </a:bodyPr>
+          <a:lstStyle/>
+          <a:p>
+            <a:pPr marL="0" lvl="0" indent="0" algn="l" rtl="0">
+              <a:spcBef>
+                <a:spcPts val="0"/>
+              </a:spcBef>
+              <a:spcAft>
+                <a:spcPts val="0"/>
+              </a:spcAft>
+              <a:buNone/>
+            </a:pPr>
+            <a:r>
+              <a:rPr lang="ko-KR" sz="900"/>
+              <a:t>N</a:t>
+            </a:r>
+            <a:endParaRPr sz="900"/>
+          </a:p>
+        </p:txBody>
+      </p:sp>
+      <p:sp>
+        <p:nvSpPr>
           <p:cNvPr id="2" name="Google Shape;105;p12">
             <a:extLst>
               <a:ext uri="{FF2B5EF4-FFF2-40B4-BE49-F238E27FC236}">
-                <a16:creationId xmlns:a16="http://schemas.microsoft.com/office/drawing/2014/main" xmlns="" id="{BB9304BC-4C91-431D-AD37-715FD5EFD408}"/>
+                <a16:creationId xmlns:a16="http://schemas.microsoft.com/office/drawing/2014/main" id="{AC3496A4-B40C-4307-B7BD-271FF2D69994}"/>
               </a:ext>
             </a:extLst>
           </p:cNvPr>
@@ -22979,38 +24098,43 @@
                 <a:ea typeface="맑은 고딕"/>
                 <a:cs typeface="Dotumche"/>
               </a:rPr>
-              <a:t>학</a:t>
+              <a:t>관</a:t>
             </a:r>
+            <a:endParaRPr lang="en-US" altLang="ko-KR" sz="1000" dirty="0">
+              <a:latin typeface="맑은 고딕"/>
+              <a:ea typeface="맑은 고딕"/>
+              <a:cs typeface="Dotumche"/>
+            </a:endParaRPr>
           </a:p>
           <a:p>
-            <a:pPr marL="0" marR="0" lvl="0" indent="0" algn="ctr">
-              <a:spcBef>
-                <a:spcPts val="0"/>
-              </a:spcBef>
-              <a:spcAft>
-                <a:spcPts val="0"/>
-              </a:spcAft>
-              <a:buNone/>
-            </a:pPr>
+            <a:pPr algn="ctr"/>
             <a:r>
               <a:rPr lang="ko-KR" altLang="en-US" sz="1000" dirty="0">
                 <a:latin typeface="맑은 고딕"/>
                 <a:ea typeface="맑은 고딕"/>
                 <a:cs typeface="Dotumche"/>
+                <a:sym typeface="Dotumche"/>
               </a:rPr>
-              <a:t>생</a:t>
+              <a:t>리</a:t>
             </a:r>
+            <a:endParaRPr lang="en-US" altLang="ko-KR" sz="1000" dirty="0">
+              <a:latin typeface="맑은 고딕"/>
+              <a:ea typeface="맑은 고딕"/>
+              <a:cs typeface="Dotumche"/>
+              <a:sym typeface="Dotumche"/>
+            </a:endParaRPr>
           </a:p>
           <a:p>
-            <a:pPr marL="0" marR="0" lvl="0" indent="0" algn="ctr" rtl="0">
-              <a:spcBef>
-                <a:spcPts val="0"/>
-              </a:spcBef>
-              <a:spcAft>
-                <a:spcPts val="0"/>
-              </a:spcAft>
-              <a:buNone/>
-            </a:pPr>
+            <a:pPr algn="ctr"/>
+            <a:r>
+              <a:rPr lang="ko-KR" altLang="en-US" sz="1000" dirty="0">
+                <a:latin typeface="맑은 고딕"/>
+                <a:ea typeface="맑은 고딕"/>
+                <a:cs typeface="Dotumche"/>
+                <a:sym typeface="Dotumche"/>
+              </a:rPr>
+              <a:t>자</a:t>
+            </a:r>
             <a:endParaRPr sz="1000" dirty="0">
               <a:latin typeface="+mj-ea"/>
               <a:ea typeface="+mj-ea"/>
@@ -23022,10 +24146,10 @@
       </p:sp>
       <p:sp>
         <p:nvSpPr>
-          <p:cNvPr id="26" name="Google Shape;121;p13">
+          <p:cNvPr id="19" name="Google Shape;125;p13">
             <a:extLst>
               <a:ext uri="{FF2B5EF4-FFF2-40B4-BE49-F238E27FC236}">
-                <a16:creationId xmlns:a16="http://schemas.microsoft.com/office/drawing/2014/main" xmlns="" id="{2FD54A72-C5F5-4BDA-A574-CE91D9FFDEAB}"/>
+                <a16:creationId xmlns:a16="http://schemas.microsoft.com/office/drawing/2014/main" id="{1B89A02A-3C8E-4072-8D81-529ABAA76EDC}"/>
               </a:ext>
             </a:extLst>
           </p:cNvPr>
@@ -23034,313 +24158,8 @@
         </p:nvSpPr>
         <p:spPr>
           <a:xfrm>
-            <a:off x="1682956" y="1380823"/>
-            <a:ext cx="900000" cy="360300"/>
-          </a:xfrm>
-          <a:prstGeom prst="rect">
-            <a:avLst/>
-          </a:prstGeom>
-          <a:solidFill>
-            <a:schemeClr val="accent1"/>
-          </a:solidFill>
-          <a:ln w="12700" cap="flat" cmpd="sng">
-            <a:solidFill>
-              <a:schemeClr val="dk1"/>
-            </a:solidFill>
-            <a:prstDash val="solid"/>
-            <a:miter lim="800000"/>
-            <a:headEnd type="none" w="sm" len="sm"/>
-            <a:tailEnd type="none" w="sm" len="sm"/>
-          </a:ln>
-        </p:spPr>
-        <p:txBody>
-          <a:bodyPr spcFirstLastPara="1" wrap="square" lIns="82550" tIns="41275" rIns="82550" bIns="41275" anchor="ctr" anchorCtr="0">
-            <a:noAutofit/>
-          </a:bodyPr>
-          <a:lstStyle/>
-          <a:p>
-            <a:pPr marL="0" marR="0" lvl="0" indent="0" algn="ctr" rtl="0">
-              <a:spcBef>
-                <a:spcPts val="0"/>
-              </a:spcBef>
-              <a:spcAft>
-                <a:spcPts val="0"/>
-              </a:spcAft>
-              <a:buNone/>
-            </a:pPr>
-            <a:r>
-              <a:rPr lang="ko-KR" sz="900">
-                <a:latin typeface="Dotumche"/>
-                <a:ea typeface="Dotumche"/>
-                <a:cs typeface="Dotumche"/>
-                <a:sym typeface="Dotumche"/>
-              </a:rPr>
-              <a:t>로그인</a:t>
-            </a:r>
-            <a:endParaRPr/>
-          </a:p>
-        </p:txBody>
-      </p:sp>
-      <p:cxnSp>
-        <p:nvCxnSpPr>
-          <p:cNvPr id="28" name="Google Shape;144;p14">
-            <a:extLst>
-              <a:ext uri="{FF2B5EF4-FFF2-40B4-BE49-F238E27FC236}">
-                <a16:creationId xmlns:a16="http://schemas.microsoft.com/office/drawing/2014/main" xmlns="" id="{B54D99A5-87F5-4749-B9B8-D7D3E170D7CB}"/>
-              </a:ext>
-            </a:extLst>
-          </p:cNvPr>
-          <p:cNvCxnSpPr>
-            <a:cxnSpLocks/>
-            <a:stCxn id="26" idx="2"/>
-            <a:endCxn id="31" idx="0"/>
-          </p:cNvCxnSpPr>
-          <p:nvPr/>
-        </p:nvCxnSpPr>
-        <p:spPr>
-          <a:xfrm flipH="1">
-            <a:off x="2128737" y="1741123"/>
-            <a:ext cx="4219" cy="592607"/>
-          </a:xfrm>
-          <a:prstGeom prst="straightConnector1">
-            <a:avLst/>
-          </a:prstGeom>
-          <a:solidFill>
-            <a:schemeClr val="accent1"/>
-          </a:solidFill>
-          <a:ln w="9525" cap="flat" cmpd="sng">
-            <a:solidFill>
-              <a:schemeClr val="dk1"/>
-            </a:solidFill>
-            <a:prstDash val="solid"/>
-            <a:round/>
-            <a:headEnd type="none" w="sm" len="sm"/>
-            <a:tailEnd type="triangle" w="med" len="med"/>
-          </a:ln>
-        </p:spPr>
-      </p:cxnSp>
-      <p:sp>
-        <p:nvSpPr>
-          <p:cNvPr id="31" name="Google Shape;146;p14">
-            <a:extLst>
-              <a:ext uri="{FF2B5EF4-FFF2-40B4-BE49-F238E27FC236}">
-                <a16:creationId xmlns:a16="http://schemas.microsoft.com/office/drawing/2014/main" xmlns="" id="{32D3DEA2-E9DA-47FE-B38B-43B61B3EEF24}"/>
-              </a:ext>
-            </a:extLst>
-          </p:cNvPr>
-          <p:cNvSpPr/>
-          <p:nvPr/>
-        </p:nvSpPr>
-        <p:spPr>
-          <a:xfrm>
-            <a:off x="1678737" y="2333730"/>
-            <a:ext cx="900000" cy="654000"/>
-          </a:xfrm>
-          <a:prstGeom prst="diamond">
-            <a:avLst/>
-          </a:prstGeom>
-          <a:noFill/>
-          <a:ln w="9525" cap="flat" cmpd="sng">
-            <a:solidFill>
-              <a:srgbClr val="000000"/>
-            </a:solidFill>
-            <a:prstDash val="solid"/>
-            <a:miter lim="800000"/>
-            <a:headEnd type="none" w="sm" len="sm"/>
-            <a:tailEnd type="none" w="sm" len="sm"/>
-          </a:ln>
-        </p:spPr>
-        <p:txBody>
-          <a:bodyPr spcFirstLastPara="1" wrap="square" lIns="91425" tIns="45700" rIns="91425" bIns="45700" anchor="ctr" anchorCtr="0">
-            <a:noAutofit/>
-          </a:bodyPr>
-          <a:lstStyle/>
-          <a:p>
-            <a:pPr marL="0" marR="0" lvl="0" indent="0" algn="just" rtl="0">
-              <a:spcBef>
-                <a:spcPts val="0"/>
-              </a:spcBef>
-              <a:spcAft>
-                <a:spcPts val="0"/>
-              </a:spcAft>
-              <a:buNone/>
-            </a:pPr>
-            <a:r>
-              <a:rPr lang="ko-KR" altLang="en-US" sz="900" dirty="0" smtClean="0">
-                <a:latin typeface="Dotumche"/>
-                <a:ea typeface="Dotumche"/>
-                <a:sym typeface="Batang"/>
-              </a:rPr>
-              <a:t>출석확인 </a:t>
-            </a:r>
-            <a:r>
-              <a:rPr lang="ko-KR" altLang="en-US" sz="900" dirty="0">
-                <a:latin typeface="Dotumche"/>
-                <a:ea typeface="Dotumche"/>
-                <a:sym typeface="Batang"/>
-              </a:rPr>
-              <a:t>선택</a:t>
-            </a:r>
-            <a:endParaRPr lang="en-US" altLang="ko-KR" sz="900" dirty="0">
-              <a:latin typeface="Dotumche"/>
-              <a:ea typeface="Dotumche"/>
-              <a:sym typeface="Batang"/>
-            </a:endParaRPr>
-          </a:p>
-        </p:txBody>
-      </p:sp>
-      <p:sp>
-        <p:nvSpPr>
-          <p:cNvPr id="34" name="Google Shape;150;p14">
-            <a:extLst>
-              <a:ext uri="{FF2B5EF4-FFF2-40B4-BE49-F238E27FC236}">
-                <a16:creationId xmlns:a16="http://schemas.microsoft.com/office/drawing/2014/main" xmlns="" id="{A40BA43B-D7EA-4333-9E03-02D4DE967305}"/>
-              </a:ext>
-            </a:extLst>
-          </p:cNvPr>
-          <p:cNvSpPr txBox="1"/>
-          <p:nvPr/>
-        </p:nvSpPr>
-        <p:spPr>
-          <a:xfrm>
-            <a:off x="2724653" y="2344477"/>
-            <a:ext cx="270300" cy="323100"/>
-          </a:xfrm>
-          <a:prstGeom prst="rect">
-            <a:avLst/>
-          </a:prstGeom>
-          <a:noFill/>
-          <a:ln>
-            <a:noFill/>
-          </a:ln>
-        </p:spPr>
-        <p:txBody>
-          <a:bodyPr spcFirstLastPara="1" wrap="square" lIns="91425" tIns="91425" rIns="91425" bIns="91425" anchor="t" anchorCtr="0">
-            <a:spAutoFit/>
-          </a:bodyPr>
-          <a:lstStyle/>
-          <a:p>
-            <a:pPr marL="0" lvl="0" indent="0" algn="l" rtl="0">
-              <a:spcBef>
-                <a:spcPts val="0"/>
-              </a:spcBef>
-              <a:spcAft>
-                <a:spcPts val="0"/>
-              </a:spcAft>
-              <a:buNone/>
-            </a:pPr>
-            <a:r>
-              <a:rPr lang="ko-KR" sz="900" dirty="0" err="1"/>
-              <a:t>Y</a:t>
-            </a:r>
-            <a:endParaRPr sz="900" dirty="0"/>
-          </a:p>
-        </p:txBody>
-      </p:sp>
-      <p:cxnSp>
-        <p:nvCxnSpPr>
-          <p:cNvPr id="39" name="Google Shape;152;p14">
-            <a:extLst>
-              <a:ext uri="{FF2B5EF4-FFF2-40B4-BE49-F238E27FC236}">
-                <a16:creationId xmlns:a16="http://schemas.microsoft.com/office/drawing/2014/main" xmlns="" id="{18AE0021-8B15-4391-813E-E3856D749A38}"/>
-              </a:ext>
-            </a:extLst>
-          </p:cNvPr>
-          <p:cNvCxnSpPr>
-            <a:cxnSpLocks/>
-            <a:endCxn id="26" idx="1"/>
-          </p:cNvCxnSpPr>
-          <p:nvPr/>
-        </p:nvCxnSpPr>
-        <p:spPr>
-          <a:xfrm rot="16200000" flipV="1">
-            <a:off x="1192469" y="2051460"/>
-            <a:ext cx="1426758" cy="445783"/>
-          </a:xfrm>
-          <a:prstGeom prst="bentConnector4">
-            <a:avLst>
-              <a:gd name="adj1" fmla="val -45914"/>
-              <a:gd name="adj2" fmla="val 151281"/>
-            </a:avLst>
-          </a:prstGeom>
-          <a:solidFill>
-            <a:schemeClr val="accent1"/>
-          </a:solidFill>
-          <a:ln w="9525" cap="flat" cmpd="sng">
-            <a:solidFill>
-              <a:schemeClr val="dk1"/>
-            </a:solidFill>
-            <a:prstDash val="solid"/>
-            <a:round/>
-            <a:headEnd type="none" w="sm" len="sm"/>
-            <a:tailEnd type="triangle" w="med" len="med"/>
-          </a:ln>
-        </p:spPr>
-      </p:cxnSp>
-      <p:sp>
-        <p:nvSpPr>
-          <p:cNvPr id="42" name="Google Shape;151;p14">
-            <a:extLst>
-              <a:ext uri="{FF2B5EF4-FFF2-40B4-BE49-F238E27FC236}">
-                <a16:creationId xmlns:a16="http://schemas.microsoft.com/office/drawing/2014/main" xmlns="" id="{6437ACC0-3C73-43B3-A299-C4411683D1F6}"/>
-              </a:ext>
-            </a:extLst>
-          </p:cNvPr>
-          <p:cNvSpPr txBox="1"/>
-          <p:nvPr/>
-        </p:nvSpPr>
-        <p:spPr>
-          <a:xfrm>
-            <a:off x="1678737" y="3598938"/>
-            <a:ext cx="270300" cy="323100"/>
-          </a:xfrm>
-          <a:prstGeom prst="rect">
-            <a:avLst/>
-          </a:prstGeom>
-          <a:noFill/>
-          <a:ln>
-            <a:noFill/>
-          </a:ln>
-        </p:spPr>
-        <p:txBody>
-          <a:bodyPr spcFirstLastPara="1" wrap="square" lIns="91425" tIns="91425" rIns="91425" bIns="91425" anchor="t" anchorCtr="0">
-            <a:spAutoFit/>
-          </a:bodyPr>
-          <a:lstStyle/>
-          <a:p>
-            <a:pPr marL="0" lvl="0" indent="0" algn="l" rtl="0">
-              <a:spcBef>
-                <a:spcPts val="0"/>
-              </a:spcBef>
-              <a:spcAft>
-                <a:spcPts val="0"/>
-              </a:spcAft>
-              <a:buNone/>
-            </a:pPr>
-            <a:r>
-              <a:rPr lang="ko-KR" sz="900"/>
-              <a:t>N</a:t>
-            </a:r>
-            <a:endParaRPr sz="900"/>
-          </a:p>
-        </p:txBody>
-      </p:sp>
-      <p:sp>
-        <p:nvSpPr>
-          <p:cNvPr id="36" name="Google Shape;147;p14">
-            <a:extLst>
-              <a:ext uri="{FF2B5EF4-FFF2-40B4-BE49-F238E27FC236}">
-                <a16:creationId xmlns:a16="http://schemas.microsoft.com/office/drawing/2014/main" xmlns="" id="{2AAD5B72-ACC6-40AE-9782-84AEA4EC9D75}"/>
-              </a:ext>
-            </a:extLst>
-          </p:cNvPr>
-          <p:cNvSpPr/>
-          <p:nvPr/>
-        </p:nvSpPr>
-        <p:spPr>
-          <a:xfrm>
-            <a:off x="3552172" y="2485678"/>
-            <a:ext cx="900000" cy="360300"/>
+            <a:off x="6335229" y="2427693"/>
+            <a:ext cx="1209617" cy="484162"/>
           </a:xfrm>
           <a:prstGeom prst="rect">
             <a:avLst/>
@@ -23372,38 +24191,41 @@
               <a:buNone/>
             </a:pPr>
             <a:r>
-              <a:rPr lang="ko-KR" altLang="en-US" sz="900" dirty="0">
+              <a:rPr lang="ko-KR" altLang="en-US" sz="900" b="0" i="0" u="none" strike="noStrike" cap="none" dirty="0">
+                <a:solidFill>
+                  <a:srgbClr val="000000"/>
+                </a:solidFill>
                 <a:latin typeface="Dotumche"/>
                 <a:ea typeface="Dotumche"/>
+                <a:cs typeface="Dotumche"/>
+                <a:sym typeface="Dotumche"/>
               </a:rPr>
-              <a:t>과목별 출석 현황 확인</a:t>
+              <a:t>선택한 과목의 전체 학생의 출석상태 확인</a:t>
             </a:r>
-            <a:endParaRPr lang="en-US" altLang="ko-KR" sz="900" dirty="0">
-              <a:latin typeface="Dotumche"/>
-              <a:ea typeface="Dotumche"/>
-            </a:endParaRPr>
+            <a:endParaRPr dirty="0"/>
           </a:p>
         </p:txBody>
       </p:sp>
       <p:cxnSp>
         <p:nvCxnSpPr>
-          <p:cNvPr id="37" name="Google Shape;154;p14">
+          <p:cNvPr id="20" name="Google Shape;129;p13">
             <a:extLst>
               <a:ext uri="{FF2B5EF4-FFF2-40B4-BE49-F238E27FC236}">
-                <a16:creationId xmlns:a16="http://schemas.microsoft.com/office/drawing/2014/main" xmlns="" id="{1A708665-D34C-4C59-8E9C-1ED94102D43B}"/>
+                <a16:creationId xmlns:a16="http://schemas.microsoft.com/office/drawing/2014/main" id="{D9595898-CD67-4DF5-826F-A309B50A94C5}"/>
               </a:ext>
             </a:extLst>
           </p:cNvPr>
           <p:cNvCxnSpPr>
-            <a:stCxn id="36" idx="3"/>
-            <a:endCxn id="38" idx="1"/>
+            <a:cxnSpLocks/>
+            <a:stCxn id="128" idx="3"/>
+            <a:endCxn id="19" idx="1"/>
           </p:cNvCxnSpPr>
           <p:nvPr/>
         </p:nvCxnSpPr>
         <p:spPr>
           <a:xfrm flipV="1">
-            <a:off x="4452172" y="2660730"/>
-            <a:ext cx="623719" cy="5098"/>
+            <a:off x="5577707" y="2669774"/>
+            <a:ext cx="757522" cy="1631"/>
           </a:xfrm>
           <a:prstGeom prst="straightConnector1">
             <a:avLst/>
@@ -23422,374 +24244,10 @@
           </a:ln>
         </p:spPr>
       </p:cxnSp>
-      <p:sp>
-        <p:nvSpPr>
-          <p:cNvPr id="38" name="Google Shape;155;p14">
-            <a:extLst>
-              <a:ext uri="{FF2B5EF4-FFF2-40B4-BE49-F238E27FC236}">
-                <a16:creationId xmlns:a16="http://schemas.microsoft.com/office/drawing/2014/main" xmlns="" id="{276C8D88-B2A7-4538-B454-7388D020EAAA}"/>
-              </a:ext>
-            </a:extLst>
-          </p:cNvPr>
-          <p:cNvSpPr/>
-          <p:nvPr/>
-        </p:nvSpPr>
-        <p:spPr>
-          <a:xfrm>
-            <a:off x="5075891" y="2333730"/>
-            <a:ext cx="900000" cy="654000"/>
-          </a:xfrm>
-          <a:prstGeom prst="diamond">
-            <a:avLst/>
-          </a:prstGeom>
-          <a:noFill/>
-          <a:ln w="9525" cap="flat" cmpd="sng">
-            <a:solidFill>
-              <a:srgbClr val="000000"/>
-            </a:solidFill>
-            <a:prstDash val="solid"/>
-            <a:miter lim="800000"/>
-            <a:headEnd type="none" w="sm" len="sm"/>
-            <a:tailEnd type="none" w="sm" len="sm"/>
-          </a:ln>
-        </p:spPr>
-        <p:txBody>
-          <a:bodyPr spcFirstLastPara="1" wrap="square" lIns="91425" tIns="45700" rIns="91425" bIns="45700" anchor="ctr" anchorCtr="0">
-            <a:noAutofit/>
-          </a:bodyPr>
-          <a:lstStyle/>
-          <a:p>
-            <a:pPr marL="0" marR="0" lvl="0" indent="0" algn="just" rtl="0">
-              <a:spcBef>
-                <a:spcPts val="0"/>
-              </a:spcBef>
-              <a:spcAft>
-                <a:spcPts val="0"/>
-              </a:spcAft>
-              <a:buNone/>
-            </a:pPr>
-            <a:r>
-              <a:rPr lang="ko-KR" altLang="en-US" sz="900" dirty="0">
-                <a:latin typeface="Dotumche"/>
-                <a:ea typeface="Dotumche"/>
-                <a:sym typeface="Batang"/>
-              </a:rPr>
-              <a:t>결석 </a:t>
-            </a:r>
-            <a:r>
-              <a:rPr lang="en-US" altLang="ko-KR" sz="900" dirty="0">
-                <a:latin typeface="Dotumche"/>
-                <a:ea typeface="Dotumche"/>
-                <a:sym typeface="Batang"/>
-              </a:rPr>
-              <a:t>4</a:t>
-            </a:r>
-            <a:r>
-              <a:rPr lang="ko-KR" altLang="en-US" sz="900" dirty="0">
-                <a:latin typeface="Dotumche"/>
-                <a:ea typeface="Dotumche"/>
-                <a:sym typeface="Batang"/>
-              </a:rPr>
-              <a:t>회 이상</a:t>
-            </a:r>
-            <a:endParaRPr sz="900" dirty="0">
-              <a:latin typeface="Dotumche"/>
-              <a:ea typeface="Dotumche"/>
-              <a:sym typeface="Batang"/>
-            </a:endParaRPr>
-          </a:p>
-        </p:txBody>
-      </p:sp>
-      <p:cxnSp>
-        <p:nvCxnSpPr>
-          <p:cNvPr id="40" name="Google Shape;156;p14">
-            <a:extLst>
-              <a:ext uri="{FF2B5EF4-FFF2-40B4-BE49-F238E27FC236}">
-                <a16:creationId xmlns:a16="http://schemas.microsoft.com/office/drawing/2014/main" xmlns="" id="{7A08FB91-EF8B-4243-8828-280694E50CB9}"/>
-              </a:ext>
-            </a:extLst>
-          </p:cNvPr>
-          <p:cNvCxnSpPr>
-            <a:cxnSpLocks/>
-            <a:stCxn id="38" idx="3"/>
-            <a:endCxn id="36" idx="0"/>
-          </p:cNvCxnSpPr>
-          <p:nvPr/>
-        </p:nvCxnSpPr>
-        <p:spPr>
-          <a:xfrm flipH="1" flipV="1">
-            <a:off x="4002172" y="2485678"/>
-            <a:ext cx="1973719" cy="175052"/>
-          </a:xfrm>
-          <a:prstGeom prst="bentConnector4">
-            <a:avLst>
-              <a:gd name="adj1" fmla="val -11582"/>
-              <a:gd name="adj2" fmla="val 317391"/>
-            </a:avLst>
-          </a:prstGeom>
-          <a:solidFill>
-            <a:schemeClr val="accent1"/>
-          </a:solidFill>
-          <a:ln w="9525" cap="flat" cmpd="sng">
-            <a:solidFill>
-              <a:schemeClr val="dk1"/>
-            </a:solidFill>
-            <a:prstDash val="solid"/>
-            <a:round/>
-            <a:headEnd type="none" w="sm" len="sm"/>
-            <a:tailEnd type="triangle" w="med" len="med"/>
-          </a:ln>
-        </p:spPr>
-      </p:cxnSp>
-      <p:sp>
-        <p:nvSpPr>
-          <p:cNvPr id="41" name="Google Shape;158;p14">
-            <a:extLst>
-              <a:ext uri="{FF2B5EF4-FFF2-40B4-BE49-F238E27FC236}">
-                <a16:creationId xmlns:a16="http://schemas.microsoft.com/office/drawing/2014/main" xmlns="" id="{C795A96F-378B-44F6-AC25-B7548D5760DD}"/>
-              </a:ext>
-            </a:extLst>
-          </p:cNvPr>
-          <p:cNvSpPr txBox="1"/>
-          <p:nvPr/>
-        </p:nvSpPr>
-        <p:spPr>
-          <a:xfrm>
-            <a:off x="5893147" y="2333732"/>
-            <a:ext cx="270300" cy="323100"/>
-          </a:xfrm>
-          <a:prstGeom prst="rect">
-            <a:avLst/>
-          </a:prstGeom>
-          <a:noFill/>
-          <a:ln>
-            <a:noFill/>
-          </a:ln>
-        </p:spPr>
-        <p:txBody>
-          <a:bodyPr spcFirstLastPara="1" wrap="square" lIns="91425" tIns="91425" rIns="91425" bIns="91425" anchor="t" anchorCtr="0">
-            <a:spAutoFit/>
-          </a:bodyPr>
-          <a:lstStyle/>
-          <a:p>
-            <a:pPr marL="0" lvl="0" indent="0" algn="l" rtl="0">
-              <a:spcBef>
-                <a:spcPts val="0"/>
-              </a:spcBef>
-              <a:spcAft>
-                <a:spcPts val="0"/>
-              </a:spcAft>
-              <a:buNone/>
-            </a:pPr>
-            <a:r>
-              <a:rPr lang="ko-KR" sz="900" dirty="0" err="1"/>
-              <a:t>N</a:t>
-            </a:r>
-            <a:endParaRPr sz="900" dirty="0"/>
-          </a:p>
-        </p:txBody>
-      </p:sp>
-      <p:sp>
-        <p:nvSpPr>
-          <p:cNvPr id="43" name="Google Shape;159;p14">
-            <a:extLst>
-              <a:ext uri="{FF2B5EF4-FFF2-40B4-BE49-F238E27FC236}">
-                <a16:creationId xmlns:a16="http://schemas.microsoft.com/office/drawing/2014/main" xmlns="" id="{92F22587-155F-4BEC-9CAF-DAA5EF15B84D}"/>
-              </a:ext>
-            </a:extLst>
-          </p:cNvPr>
-          <p:cNvSpPr txBox="1"/>
-          <p:nvPr/>
-        </p:nvSpPr>
-        <p:spPr>
-          <a:xfrm>
-            <a:off x="5874535" y="3268512"/>
-            <a:ext cx="270300" cy="323100"/>
-          </a:xfrm>
-          <a:prstGeom prst="rect">
-            <a:avLst/>
-          </a:prstGeom>
-          <a:noFill/>
-          <a:ln>
-            <a:noFill/>
-          </a:ln>
-        </p:spPr>
-        <p:txBody>
-          <a:bodyPr spcFirstLastPara="1" wrap="square" lIns="91425" tIns="91425" rIns="91425" bIns="91425" anchor="t" anchorCtr="0">
-            <a:spAutoFit/>
-          </a:bodyPr>
-          <a:lstStyle/>
-          <a:p>
-            <a:pPr marL="0" lvl="0" indent="0" algn="l" rtl="0">
-              <a:spcBef>
-                <a:spcPts val="0"/>
-              </a:spcBef>
-              <a:spcAft>
-                <a:spcPts val="0"/>
-              </a:spcAft>
-              <a:buNone/>
-            </a:pPr>
-            <a:r>
-              <a:rPr lang="ko-KR" sz="900"/>
-              <a:t> </a:t>
-            </a:r>
-            <a:endParaRPr sz="900"/>
-          </a:p>
-        </p:txBody>
-      </p:sp>
-      <p:sp>
-        <p:nvSpPr>
-          <p:cNvPr id="44" name="Google Shape;160;p14">
-            <a:extLst>
-              <a:ext uri="{FF2B5EF4-FFF2-40B4-BE49-F238E27FC236}">
-                <a16:creationId xmlns:a16="http://schemas.microsoft.com/office/drawing/2014/main" xmlns="" id="{250D8F70-1B1D-4850-B7AF-C21C9F3A8A42}"/>
-              </a:ext>
-            </a:extLst>
-          </p:cNvPr>
-          <p:cNvSpPr txBox="1"/>
-          <p:nvPr/>
-        </p:nvSpPr>
-        <p:spPr>
-          <a:xfrm>
-            <a:off x="5549381" y="3225851"/>
-            <a:ext cx="270300" cy="323100"/>
-          </a:xfrm>
-          <a:prstGeom prst="rect">
-            <a:avLst/>
-          </a:prstGeom>
-          <a:noFill/>
-          <a:ln>
-            <a:noFill/>
-          </a:ln>
-        </p:spPr>
-        <p:txBody>
-          <a:bodyPr spcFirstLastPara="1" wrap="square" lIns="91425" tIns="91425" rIns="91425" bIns="91425" anchor="t" anchorCtr="0">
-            <a:spAutoFit/>
-          </a:bodyPr>
-          <a:lstStyle/>
-          <a:p>
-            <a:pPr marL="0" lvl="0" indent="0" algn="l" rtl="0">
-              <a:spcBef>
-                <a:spcPts val="0"/>
-              </a:spcBef>
-              <a:spcAft>
-                <a:spcPts val="0"/>
-              </a:spcAft>
-              <a:buNone/>
-            </a:pPr>
-            <a:r>
-              <a:rPr lang="ko-KR" sz="900" dirty="0" err="1"/>
-              <a:t>Y</a:t>
-            </a:r>
-            <a:endParaRPr sz="900" dirty="0"/>
-          </a:p>
-        </p:txBody>
-      </p:sp>
-      <p:cxnSp>
-        <p:nvCxnSpPr>
-          <p:cNvPr id="45" name="Google Shape;161;p14">
-            <a:extLst>
-              <a:ext uri="{FF2B5EF4-FFF2-40B4-BE49-F238E27FC236}">
-                <a16:creationId xmlns:a16="http://schemas.microsoft.com/office/drawing/2014/main" xmlns="" id="{D2725B6D-A4C8-447A-BF78-93F0D77B9708}"/>
-              </a:ext>
-            </a:extLst>
-          </p:cNvPr>
-          <p:cNvCxnSpPr>
-            <a:cxnSpLocks/>
-            <a:stCxn id="38" idx="2"/>
-            <a:endCxn id="46" idx="0"/>
-          </p:cNvCxnSpPr>
-          <p:nvPr/>
-        </p:nvCxnSpPr>
-        <p:spPr>
-          <a:xfrm>
-            <a:off x="5525891" y="2987730"/>
-            <a:ext cx="0" cy="809432"/>
-          </a:xfrm>
-          <a:prstGeom prst="straightConnector1">
-            <a:avLst/>
-          </a:prstGeom>
-          <a:solidFill>
-            <a:schemeClr val="accent1"/>
-          </a:solidFill>
-          <a:ln w="9525" cap="flat" cmpd="sng">
-            <a:solidFill>
-              <a:schemeClr val="dk1"/>
-            </a:solidFill>
-            <a:prstDash val="solid"/>
-            <a:round/>
-            <a:headEnd type="none" w="sm" len="sm"/>
-            <a:tailEnd type="triangle" w="med" len="med"/>
-          </a:ln>
-        </p:spPr>
-      </p:cxnSp>
-      <p:sp>
-        <p:nvSpPr>
-          <p:cNvPr id="46" name="Google Shape;77;p11">
-            <a:extLst>
-              <a:ext uri="{FF2B5EF4-FFF2-40B4-BE49-F238E27FC236}">
-                <a16:creationId xmlns:a16="http://schemas.microsoft.com/office/drawing/2014/main" xmlns="" id="{4C29B035-6514-440E-BD9C-34DE5D6ED8B9}"/>
-              </a:ext>
-            </a:extLst>
-          </p:cNvPr>
-          <p:cNvSpPr/>
-          <p:nvPr/>
-        </p:nvSpPr>
-        <p:spPr>
-          <a:xfrm>
-            <a:off x="5112347" y="3797162"/>
-            <a:ext cx="827088" cy="360362"/>
-          </a:xfrm>
-          <a:prstGeom prst="rect">
-            <a:avLst/>
-          </a:prstGeom>
-          <a:solidFill>
-            <a:schemeClr val="accent1"/>
-          </a:solidFill>
-          <a:ln w="12700" cap="flat" cmpd="sng">
-            <a:solidFill>
-              <a:schemeClr val="dk1"/>
-            </a:solidFill>
-            <a:prstDash val="solid"/>
-            <a:miter lim="800000"/>
-            <a:headEnd type="none" w="sm" len="sm"/>
-            <a:tailEnd type="none" w="sm" len="sm"/>
-          </a:ln>
-        </p:spPr>
-        <p:txBody>
-          <a:bodyPr spcFirstLastPara="1" wrap="square" lIns="82550" tIns="41275" rIns="82550" bIns="41275" anchor="ctr" anchorCtr="0">
-            <a:noAutofit/>
-          </a:bodyPr>
-          <a:lstStyle/>
-          <a:p>
-            <a:pPr marL="0" marR="0" lvl="0" indent="0" algn="ctr" rtl="0">
-              <a:spcBef>
-                <a:spcPts val="0"/>
-              </a:spcBef>
-              <a:spcAft>
-                <a:spcPts val="0"/>
-              </a:spcAft>
-              <a:buNone/>
-            </a:pPr>
-            <a:r>
-              <a:rPr lang="ko-KR" altLang="en-US" sz="900" dirty="0">
-                <a:latin typeface="Dotumche"/>
-                <a:ea typeface="Dotumche"/>
-                <a:sym typeface="Tahoma"/>
-              </a:rPr>
-              <a:t>낙제</a:t>
-            </a:r>
-            <a:endParaRPr sz="900" dirty="0">
-              <a:latin typeface="Dotumche"/>
-              <a:ea typeface="Dotumche"/>
-            </a:endParaRPr>
-          </a:p>
-        </p:txBody>
-      </p:sp>
     </p:spTree>
     <p:extLst>
       <p:ext uri="{BB962C8B-B14F-4D97-AF65-F5344CB8AC3E}">
-        <p14:creationId xmlns:p14="http://schemas.microsoft.com/office/powerpoint/2010/main" val="2084181249"/>
+        <p14:creationId xmlns:p14="http://schemas.microsoft.com/office/powerpoint/2010/main" val="3262065924"/>
       </p:ext>
     </p:extLst>
   </p:cSld>
